--- a/slides.pptx
+++ b/slides.pptx
@@ -5,36 +5,46 @@
     <p:sldMasterId id="2147483648" r:id="rId1"/>
   </p:sldMasterIdLst>
   <p:notesMasterIdLst>
-    <p:notesMasterId r:id="rId29"/>
+    <p:notesMasterId r:id="rId39"/>
   </p:notesMasterIdLst>
   <p:sldIdLst>
     <p:sldId id="256" r:id="rId2"/>
     <p:sldId id="394" r:id="rId3"/>
-    <p:sldId id="410" r:id="rId4"/>
-    <p:sldId id="411" r:id="rId5"/>
-    <p:sldId id="412" r:id="rId6"/>
-    <p:sldId id="398" r:id="rId7"/>
-    <p:sldId id="399" r:id="rId8"/>
-    <p:sldId id="395" r:id="rId9"/>
-    <p:sldId id="258" r:id="rId10"/>
-    <p:sldId id="397" r:id="rId11"/>
-    <p:sldId id="414" r:id="rId12"/>
-    <p:sldId id="417" r:id="rId13"/>
-    <p:sldId id="418" r:id="rId14"/>
-    <p:sldId id="413" r:id="rId15"/>
-    <p:sldId id="415" r:id="rId16"/>
-    <p:sldId id="416" r:id="rId17"/>
-    <p:sldId id="396" r:id="rId18"/>
-    <p:sldId id="400" r:id="rId19"/>
-    <p:sldId id="408" r:id="rId20"/>
-    <p:sldId id="401" r:id="rId21"/>
-    <p:sldId id="402" r:id="rId22"/>
-    <p:sldId id="404" r:id="rId23"/>
-    <p:sldId id="405" r:id="rId24"/>
-    <p:sldId id="406" r:id="rId25"/>
-    <p:sldId id="407" r:id="rId26"/>
-    <p:sldId id="409" r:id="rId27"/>
-    <p:sldId id="294" r:id="rId28"/>
+    <p:sldId id="397" r:id="rId4"/>
+    <p:sldId id="428" r:id="rId5"/>
+    <p:sldId id="410" r:id="rId6"/>
+    <p:sldId id="411" r:id="rId7"/>
+    <p:sldId id="412" r:id="rId8"/>
+    <p:sldId id="398" r:id="rId9"/>
+    <p:sldId id="399" r:id="rId10"/>
+    <p:sldId id="395" r:id="rId11"/>
+    <p:sldId id="258" r:id="rId12"/>
+    <p:sldId id="396" r:id="rId13"/>
+    <p:sldId id="414" r:id="rId14"/>
+    <p:sldId id="417" r:id="rId15"/>
+    <p:sldId id="418" r:id="rId16"/>
+    <p:sldId id="413" r:id="rId17"/>
+    <p:sldId id="415" r:id="rId18"/>
+    <p:sldId id="416" r:id="rId19"/>
+    <p:sldId id="426" r:id="rId20"/>
+    <p:sldId id="425" r:id="rId21"/>
+    <p:sldId id="427" r:id="rId22"/>
+    <p:sldId id="400" r:id="rId23"/>
+    <p:sldId id="408" r:id="rId24"/>
+    <p:sldId id="401" r:id="rId25"/>
+    <p:sldId id="419" r:id="rId26"/>
+    <p:sldId id="420" r:id="rId27"/>
+    <p:sldId id="402" r:id="rId28"/>
+    <p:sldId id="404" r:id="rId29"/>
+    <p:sldId id="422" r:id="rId30"/>
+    <p:sldId id="405" r:id="rId31"/>
+    <p:sldId id="424" r:id="rId32"/>
+    <p:sldId id="406" r:id="rId33"/>
+    <p:sldId id="423" r:id="rId34"/>
+    <p:sldId id="407" r:id="rId35"/>
+    <p:sldId id="409" r:id="rId36"/>
+    <p:sldId id="421" r:id="rId37"/>
+    <p:sldId id="294" r:id="rId38"/>
   </p:sldIdLst>
   <p:sldSz cx="24384000" cy="13716000"/>
   <p:notesSz cx="6858000" cy="9144000"/>
@@ -343,6 +353,8 @@
           <p14:sldIdLst>
             <p14:sldId id="256"/>
             <p14:sldId id="394"/>
+            <p14:sldId id="397"/>
+            <p14:sldId id="428"/>
             <p14:sldId id="410"/>
             <p14:sldId id="411"/>
             <p14:sldId id="412"/>
@@ -350,23 +362,31 @@
             <p14:sldId id="399"/>
             <p14:sldId id="395"/>
             <p14:sldId id="258"/>
-            <p14:sldId id="397"/>
+            <p14:sldId id="396"/>
             <p14:sldId id="414"/>
             <p14:sldId id="417"/>
             <p14:sldId id="418"/>
             <p14:sldId id="413"/>
             <p14:sldId id="415"/>
             <p14:sldId id="416"/>
-            <p14:sldId id="396"/>
+            <p14:sldId id="426"/>
+            <p14:sldId id="425"/>
+            <p14:sldId id="427"/>
             <p14:sldId id="400"/>
             <p14:sldId id="408"/>
             <p14:sldId id="401"/>
+            <p14:sldId id="419"/>
+            <p14:sldId id="420"/>
             <p14:sldId id="402"/>
             <p14:sldId id="404"/>
+            <p14:sldId id="422"/>
             <p14:sldId id="405"/>
+            <p14:sldId id="424"/>
             <p14:sldId id="406"/>
+            <p14:sldId id="423"/>
             <p14:sldId id="407"/>
             <p14:sldId id="409"/>
+            <p14:sldId id="421"/>
           </p14:sldIdLst>
         </p14:section>
         <p14:section name="Thanks" id="{496D2806-62C4-9B46-9D9A-FB0AC075874D}">
@@ -2305,7 +2325,7 @@
         <p:spPr>
           <a:xfrm>
             <a:off x="2572664" y="2699493"/>
-            <a:ext cx="6612388" cy="1087477"/>
+            <a:ext cx="4764125" cy="1087477"/>
           </a:xfrm>
           <a:prstGeom prst="rect">
             <a:avLst/>
@@ -2335,9 +2355,10 @@
           </a:lstStyle>
           <a:p>
             <a:r>
-              <a:rPr lang="en-US" dirty="0"/>
-              <a:t>Remove content</a:t>
-            </a:r>
+              <a:rPr lang="en-US" dirty="0" err="1"/>
+              <a:t>Classnames</a:t>
+            </a:r>
+            <a:endParaRPr lang="en-US" dirty="0"/>
           </a:p>
         </p:txBody>
       </p:sp>
@@ -2429,7 +2450,7 @@
         <p:spPr>
           <a:xfrm>
             <a:off x="2572663" y="4591971"/>
-            <a:ext cx="19179617" cy="948978"/>
+            <a:ext cx="19179617" cy="4869282"/>
           </a:xfrm>
           <a:prstGeom prst="rect">
             <a:avLst/>
@@ -2449,10 +2470,12 @@
           </a:bodyPr>
           <a:lstStyle/>
           <a:p>
-            <a:pPr algn="l">
+            <a:pPr marL="571500" indent="-571500" algn="l">
               <a:lnSpc>
                 <a:spcPct val="150000"/>
               </a:lnSpc>
+              <a:buFont typeface="Arial" panose="020B0604020202020204" pitchFamily="34" charset="0"/>
+              <a:buChar char="•"/>
               <a:defRPr sz="4200">
                 <a:latin typeface="+mj-lt"/>
                 <a:ea typeface="+mj-ea"/>
@@ -2460,16 +2483,130 @@
                 <a:sym typeface="Avenir Next"/>
               </a:defRPr>
             </a:pPr>
-            <a:endParaRPr lang="en-US" sz="4000" dirty="0">
+            <a:r>
+              <a:rPr lang="en-US" dirty="0" err="1">
+                <a:sym typeface="Avenir Next"/>
+              </a:rPr>
+              <a:t>Element.classList</a:t>
+            </a:r>
+            <a:endParaRPr lang="en-US" dirty="0">
               <a:sym typeface="Avenir Next"/>
             </a:endParaRPr>
+          </a:p>
+          <a:p>
+            <a:pPr marL="571500" indent="-571500" algn="l">
+              <a:lnSpc>
+                <a:spcPct val="150000"/>
+              </a:lnSpc>
+              <a:buFont typeface="Arial" panose="020B0604020202020204" pitchFamily="34" charset="0"/>
+              <a:buChar char="•"/>
+              <a:defRPr sz="4200">
+                <a:latin typeface="+mj-lt"/>
+                <a:ea typeface="+mj-ea"/>
+                <a:cs typeface="+mj-cs"/>
+                <a:sym typeface="Avenir Next"/>
+              </a:defRPr>
+            </a:pPr>
+            <a:r>
+              <a:rPr lang="en-US" dirty="0" err="1">
+                <a:sym typeface="Avenir Next"/>
+              </a:rPr>
+              <a:t>Element.classList.add</a:t>
+            </a:r>
+            <a:r>
+              <a:rPr lang="en-US" dirty="0">
+                <a:sym typeface="Avenir Next"/>
+              </a:rPr>
+              <a:t>(‘some-class’)</a:t>
+            </a:r>
+          </a:p>
+          <a:p>
+            <a:pPr marL="571500" indent="-571500" algn="l">
+              <a:lnSpc>
+                <a:spcPct val="150000"/>
+              </a:lnSpc>
+              <a:buFont typeface="Arial" panose="020B0604020202020204" pitchFamily="34" charset="0"/>
+              <a:buChar char="•"/>
+              <a:defRPr sz="4200">
+                <a:latin typeface="+mj-lt"/>
+                <a:ea typeface="+mj-ea"/>
+                <a:cs typeface="+mj-cs"/>
+                <a:sym typeface="Avenir Next"/>
+              </a:defRPr>
+            </a:pPr>
+            <a:r>
+              <a:rPr lang="en-US" dirty="0" err="1">
+                <a:sym typeface="Avenir Next"/>
+              </a:rPr>
+              <a:t>Element.classList.remove</a:t>
+            </a:r>
+            <a:r>
+              <a:rPr lang="en-US" dirty="0">
+                <a:sym typeface="Avenir Next"/>
+              </a:rPr>
+              <a:t>(‘some-class’)</a:t>
+            </a:r>
+          </a:p>
+          <a:p>
+            <a:pPr marL="571500" indent="-571500" algn="l">
+              <a:lnSpc>
+                <a:spcPct val="150000"/>
+              </a:lnSpc>
+              <a:buFont typeface="Arial" panose="020B0604020202020204" pitchFamily="34" charset="0"/>
+              <a:buChar char="•"/>
+              <a:defRPr sz="4200">
+                <a:latin typeface="+mj-lt"/>
+                <a:ea typeface="+mj-ea"/>
+                <a:cs typeface="+mj-cs"/>
+                <a:sym typeface="Avenir Next"/>
+              </a:defRPr>
+            </a:pPr>
+            <a:r>
+              <a:rPr lang="en-US" dirty="0" err="1">
+                <a:sym typeface="Avenir Next"/>
+              </a:rPr>
+              <a:t>Element.classList.toggle</a:t>
+            </a:r>
+            <a:r>
+              <a:rPr lang="en-US" dirty="0">
+                <a:sym typeface="Avenir Next"/>
+              </a:rPr>
+              <a:t>(‘some-class’)</a:t>
+            </a:r>
+          </a:p>
+          <a:p>
+            <a:pPr marL="571500" indent="-571500" algn="l">
+              <a:lnSpc>
+                <a:spcPct val="150000"/>
+              </a:lnSpc>
+              <a:buFont typeface="Arial" panose="020B0604020202020204" pitchFamily="34" charset="0"/>
+              <a:buChar char="•"/>
+              <a:defRPr sz="4200">
+                <a:latin typeface="+mj-lt"/>
+                <a:ea typeface="+mj-ea"/>
+                <a:cs typeface="+mj-cs"/>
+                <a:sym typeface="Avenir Next"/>
+              </a:defRPr>
+            </a:pPr>
+            <a:r>
+              <a:rPr lang="en-US" dirty="0" err="1">
+                <a:sym typeface="Avenir Next"/>
+              </a:rPr>
+              <a:t>Element.classList.replace</a:t>
+            </a:r>
+            <a:r>
+              <a:rPr lang="en-US" dirty="0">
+                <a:sym typeface="Avenir Next"/>
+              </a:rPr>
+              <a:t>(‘some-class’, ‘with-other-class’)</a:t>
+            </a:r>
           </a:p>
         </p:txBody>
       </p:sp>
     </p:spTree>
     <p:extLst>
       <p:ext uri="{BB962C8B-B14F-4D97-AF65-F5344CB8AC3E}">
-        <p14:creationId xmlns:p14="http://schemas.microsoft.com/office/powerpoint/2010/main" val="2031561201"/>
+        <p14:creationId xmlns:p14="http://schemas.microsoft.com/office/powerpoint/2010/main" val="2019658492"/>
       </p:ext>
     </p:extLst>
   </p:cSld>
@@ -2505,8 +2642,8 @@
         </p:nvSpPr>
         <p:spPr>
           <a:xfrm>
-            <a:off x="5628531" y="4836933"/>
-            <a:ext cx="13126991" cy="4042132"/>
+            <a:off x="5012174" y="4836933"/>
+            <a:ext cx="14359700" cy="4042132"/>
           </a:xfrm>
           <a:prstGeom prst="rect">
             <a:avLst/>
@@ -2546,7 +2683,7 @@
           <a:p>
             <a:r>
               <a:rPr lang="lt-LT" dirty="0" err="1"/>
-              <a:t>Remove</a:t>
+              <a:t>Toggle</a:t>
             </a:r>
             <a:r>
               <a:rPr lang="lt-LT" dirty="0"/>
@@ -2554,18 +2691,13 @@
             </a:r>
             <a:r>
               <a:rPr lang="lt-LT" dirty="0" err="1"/>
-              <a:t>content</a:t>
+              <a:t>classname</a:t>
             </a:r>
             <a:endParaRPr lang="lt-LT" dirty="0"/>
           </a:p>
         </p:txBody>
       </p:sp>
     </p:spTree>
-    <p:extLst>
-      <p:ext uri="{BB962C8B-B14F-4D97-AF65-F5344CB8AC3E}">
-        <p14:creationId xmlns:p14="http://schemas.microsoft.com/office/powerpoint/2010/main" val="1617935696"/>
-      </p:ext>
-    </p:extLst>
   </p:cSld>
   <p:clrMapOvr>
     <a:masterClrMapping/>
@@ -2600,7 +2732,7 @@
         <p:spPr>
           <a:xfrm>
             <a:off x="2572664" y="2699493"/>
-            <a:ext cx="5027017" cy="1087477"/>
+            <a:ext cx="3278141" cy="1087477"/>
           </a:xfrm>
           <a:prstGeom prst="rect">
             <a:avLst/>
@@ -2630,9 +2762,10 @@
           </a:lstStyle>
           <a:p>
             <a:r>
-              <a:rPr lang="en-US" dirty="0"/>
-              <a:t>Add content</a:t>
-            </a:r>
+              <a:rPr lang="en-US" dirty="0" err="1"/>
+              <a:t>Polyfills</a:t>
+            </a:r>
+            <a:endParaRPr lang="en-US" dirty="0"/>
           </a:p>
         </p:txBody>
       </p:sp>
@@ -2724,7 +2857,7 @@
         <p:spPr>
           <a:xfrm>
             <a:off x="2572663" y="4591971"/>
-            <a:ext cx="19179617" cy="948978"/>
+            <a:ext cx="19179617" cy="2930289"/>
           </a:xfrm>
           <a:prstGeom prst="rect">
             <a:avLst/>
@@ -2744,10 +2877,12 @@
           </a:bodyPr>
           <a:lstStyle/>
           <a:p>
-            <a:pPr algn="l">
+            <a:pPr marL="571500" indent="-571500" algn="l">
               <a:lnSpc>
                 <a:spcPct val="150000"/>
               </a:lnSpc>
+              <a:buFont typeface="Arial" panose="020B0604020202020204" pitchFamily="34" charset="0"/>
+              <a:buChar char="•"/>
               <a:defRPr sz="4200">
                 <a:latin typeface="+mj-lt"/>
                 <a:ea typeface="+mj-ea"/>
@@ -2755,6 +2890,60 @@
                 <a:sym typeface="Avenir Next"/>
               </a:defRPr>
             </a:pPr>
+            <a:r>
+              <a:rPr lang="en-US" dirty="0">
+                <a:sym typeface="Avenir Next"/>
+              </a:rPr>
+              <a:t>Code to provide modern functionality for older browsers</a:t>
+            </a:r>
+          </a:p>
+          <a:p>
+            <a:pPr marL="571500" indent="-571500" algn="l">
+              <a:lnSpc>
+                <a:spcPct val="150000"/>
+              </a:lnSpc>
+              <a:buFont typeface="Arial" panose="020B0604020202020204" pitchFamily="34" charset="0"/>
+              <a:buChar char="•"/>
+              <a:defRPr sz="4200">
+                <a:latin typeface="+mj-lt"/>
+                <a:ea typeface="+mj-ea"/>
+                <a:cs typeface="+mj-cs"/>
+                <a:sym typeface="Avenir Next"/>
+              </a:defRPr>
+            </a:pPr>
+            <a:r>
+              <a:rPr lang="en-US" dirty="0">
+                <a:sym typeface="Avenir Next"/>
+              </a:rPr>
+              <a:t>Required when support is not satisfactory</a:t>
+            </a:r>
+          </a:p>
+          <a:p>
+            <a:pPr marL="571500" indent="-571500" algn="l">
+              <a:lnSpc>
+                <a:spcPct val="150000"/>
+              </a:lnSpc>
+              <a:buFont typeface="Arial" panose="020B0604020202020204" pitchFamily="34" charset="0"/>
+              <a:buChar char="•"/>
+              <a:defRPr sz="4200">
+                <a:latin typeface="+mj-lt"/>
+                <a:ea typeface="+mj-ea"/>
+                <a:cs typeface="+mj-cs"/>
+                <a:sym typeface="Avenir Next"/>
+              </a:defRPr>
+            </a:pPr>
+            <a:r>
+              <a:rPr lang="en-US" dirty="0">
+                <a:sym typeface="Avenir Next"/>
+              </a:rPr>
+              <a:t>Support can be detected e.g. </a:t>
+            </a:r>
+            <a:r>
+              <a:rPr lang="en-US" dirty="0" err="1">
+                <a:sym typeface="Avenir Next"/>
+              </a:rPr>
+              <a:t>Modernizr</a:t>
+            </a:r>
             <a:endParaRPr lang="en-US" sz="4000" dirty="0">
               <a:sym typeface="Avenir Next"/>
             </a:endParaRPr>
@@ -2764,7 +2953,7 @@
     </p:spTree>
     <p:extLst>
       <p:ext uri="{BB962C8B-B14F-4D97-AF65-F5344CB8AC3E}">
-        <p14:creationId xmlns:p14="http://schemas.microsoft.com/office/powerpoint/2010/main" val="717327089"/>
+        <p14:creationId xmlns:p14="http://schemas.microsoft.com/office/powerpoint/2010/main" val="1043789599"/>
       </p:ext>
     </p:extLst>
   </p:cSld>
@@ -2800,8 +2989,8 @@
         </p:nvSpPr>
         <p:spPr>
           <a:xfrm>
-            <a:off x="7214704" y="4836933"/>
-            <a:ext cx="9954648" cy="4042132"/>
+            <a:off x="5628531" y="4836933"/>
+            <a:ext cx="13126991" cy="4042132"/>
           </a:xfrm>
           <a:prstGeom prst="rect">
             <a:avLst/>
@@ -2841,7 +3030,7 @@
           <a:p>
             <a:r>
               <a:rPr lang="lt-LT" dirty="0" err="1"/>
-              <a:t>Add</a:t>
+              <a:t>Remove</a:t>
             </a:r>
             <a:r>
               <a:rPr lang="lt-LT" dirty="0"/>
@@ -2858,7 +3047,7 @@
     </p:spTree>
     <p:extLst>
       <p:ext uri="{BB962C8B-B14F-4D97-AF65-F5344CB8AC3E}">
-        <p14:creationId xmlns:p14="http://schemas.microsoft.com/office/powerpoint/2010/main" val="283825815"/>
+        <p14:creationId xmlns:p14="http://schemas.microsoft.com/office/powerpoint/2010/main" val="1617935696"/>
       </p:ext>
     </p:extLst>
   </p:cSld>
@@ -2895,7 +3084,7 @@
         <p:spPr>
           <a:xfrm>
             <a:off x="2572664" y="2699493"/>
-            <a:ext cx="5081519" cy="1087477"/>
+            <a:ext cx="5027017" cy="1087477"/>
           </a:xfrm>
           <a:prstGeom prst="rect">
             <a:avLst/>
@@ -2926,7 +3115,7 @@
           <a:p>
             <a:r>
               <a:rPr lang="en-US" dirty="0"/>
-              <a:t>Event object</a:t>
+              <a:t>Add content</a:t>
             </a:r>
           </a:p>
         </p:txBody>
@@ -3059,7 +3248,7 @@
     </p:spTree>
     <p:extLst>
       <p:ext uri="{BB962C8B-B14F-4D97-AF65-F5344CB8AC3E}">
-        <p14:creationId xmlns:p14="http://schemas.microsoft.com/office/powerpoint/2010/main" val="2079450264"/>
+        <p14:creationId xmlns:p14="http://schemas.microsoft.com/office/powerpoint/2010/main" val="717327089"/>
       </p:ext>
     </p:extLst>
   </p:cSld>
@@ -3089,14 +3278,14 @@
       </p:grpSpPr>
       <p:sp>
         <p:nvSpPr>
-          <p:cNvPr id="76" name="Title goes here"/>
+          <p:cNvPr id="74" name="Red section title"/>
           <p:cNvSpPr txBox="1"/>
           <p:nvPr/>
         </p:nvSpPr>
         <p:spPr>
           <a:xfrm>
-            <a:off x="2572664" y="2699493"/>
-            <a:ext cx="6227667" cy="1087477"/>
+            <a:off x="7214704" y="4836933"/>
+            <a:ext cx="9954648" cy="4042132"/>
           </a:xfrm>
           <a:prstGeom prst="rect">
             <a:avLst/>
@@ -3115,8 +3304,11 @@
             <a:spAutoFit/>
           </a:bodyPr>
           <a:lstStyle>
-            <a:lvl1pPr algn="l">
-              <a:defRPr sz="6400" b="1">
+            <a:lvl1pPr>
+              <a:defRPr sz="12800" b="1">
+                <a:solidFill>
+                  <a:srgbClr val="FFFFFF"/>
+                </a:solidFill>
                 <a:latin typeface="+mj-lt"/>
                 <a:ea typeface="+mj-ea"/>
                 <a:cs typeface="+mj-cs"/>
@@ -3126,141 +3318,31 @@
           </a:lstStyle>
           <a:p>
             <a:r>
-              <a:rPr lang="en-US" dirty="0"/>
-              <a:t>Event bubbling</a:t>
-            </a:r>
-          </a:p>
-        </p:txBody>
-      </p:sp>
-      <p:sp>
-        <p:nvSpPr>
-          <p:cNvPr id="77" name="Build products that are fast, effortless to use, and aesthetically pleasing. Make things meaningful and worthy of your time."/>
-          <p:cNvSpPr txBox="1"/>
-          <p:nvPr/>
-        </p:nvSpPr>
-        <p:spPr>
-          <a:xfrm>
-            <a:off x="2631719" y="3935381"/>
-            <a:ext cx="12663704" cy="656590"/>
-          </a:xfrm>
-          <a:prstGeom prst="rect">
-            <a:avLst/>
-          </a:prstGeom>
-          <a:ln w="12700">
-            <a:miter lim="400000"/>
-          </a:ln>
-          <a:extLst>
-            <a:ext uri="{C572A759-6A51-4108-AA02-DFA0A04FC94B}">
-              <ma14:wrappingTextBoxFlag xmlns:ma14="http://schemas.microsoft.com/office/mac/drawingml/2011/main" xmlns:a14="http://schemas.microsoft.com/office/drawing/2010/main" xmlns:m="http://schemas.openxmlformats.org/officeDocument/2006/math" xmlns="" val="1"/>
-            </a:ext>
-          </a:extLst>
-        </p:spPr>
-        <p:txBody>
-          <a:bodyPr lIns="50800" tIns="50800" rIns="50800" bIns="50800">
-            <a:spAutoFit/>
-          </a:bodyPr>
-          <a:lstStyle>
-            <a:lvl1pPr algn="l">
-              <a:defRPr sz="3600">
-                <a:latin typeface="+mj-lt"/>
-                <a:ea typeface="+mj-ea"/>
-                <a:cs typeface="+mj-cs"/>
-                <a:sym typeface="Avenir Next"/>
-              </a:defRPr>
-            </a:lvl1pPr>
-          </a:lstStyle>
-          <a:p>
-            <a:endParaRPr lang="en-US" dirty="0"/>
-          </a:p>
-        </p:txBody>
-      </p:sp>
-      <p:sp>
-        <p:nvSpPr>
-          <p:cNvPr id="78" name="Line"/>
-          <p:cNvSpPr/>
-          <p:nvPr/>
-        </p:nvSpPr>
-        <p:spPr>
-          <a:xfrm>
-            <a:off x="2641600" y="1846231"/>
-            <a:ext cx="1516409" cy="1"/>
-          </a:xfrm>
-          <a:prstGeom prst="line">
-            <a:avLst/>
-          </a:prstGeom>
-          <a:ln w="203200">
-            <a:solidFill>
-              <a:srgbClr val="FF3454"/>
-            </a:solidFill>
-            <a:miter lim="400000"/>
-          </a:ln>
-        </p:spPr>
-        <p:txBody>
-          <a:bodyPr lIns="50800" tIns="50800" rIns="50800" bIns="50800" anchor="ctr"/>
-          <a:lstStyle/>
-          <a:p>
-            <a:pPr algn="l">
-              <a:defRPr sz="2800">
-                <a:latin typeface="+mj-lt"/>
-                <a:ea typeface="+mj-ea"/>
-                <a:cs typeface="+mj-cs"/>
-                <a:sym typeface="Avenir Next"/>
-              </a:defRPr>
-            </a:pPr>
-            <a:endParaRPr/>
-          </a:p>
-        </p:txBody>
-      </p:sp>
-      <p:sp>
-        <p:nvSpPr>
-          <p:cNvPr id="79" name="Build products that are fast, effortless to use, and aesthetically pleasing. Make things meaningful and worthy of your time.…"/>
-          <p:cNvSpPr txBox="1"/>
-          <p:nvPr/>
-        </p:nvSpPr>
-        <p:spPr>
-          <a:xfrm>
-            <a:off x="2572663" y="4591971"/>
-            <a:ext cx="19179617" cy="948978"/>
-          </a:xfrm>
-          <a:prstGeom prst="rect">
-            <a:avLst/>
-          </a:prstGeom>
-          <a:ln w="12700">
-            <a:miter lim="400000"/>
-          </a:ln>
-          <a:extLst>
-            <a:ext uri="{C572A759-6A51-4108-AA02-DFA0A04FC94B}">
-              <ma14:wrappingTextBoxFlag xmlns:ma14="http://schemas.microsoft.com/office/mac/drawingml/2011/main" xmlns:a14="http://schemas.microsoft.com/office/drawing/2010/main" xmlns:m="http://schemas.openxmlformats.org/officeDocument/2006/math" xmlns="" val="1"/>
-            </a:ext>
-          </a:extLst>
-        </p:spPr>
-        <p:txBody>
-          <a:bodyPr wrap="square" lIns="50800" tIns="50800" rIns="50800" bIns="50800">
-            <a:spAutoFit/>
-          </a:bodyPr>
-          <a:lstStyle/>
-          <a:p>
-            <a:pPr algn="l">
-              <a:lnSpc>
-                <a:spcPct val="150000"/>
-              </a:lnSpc>
-              <a:defRPr sz="4200">
-                <a:latin typeface="+mj-lt"/>
-                <a:ea typeface="+mj-ea"/>
-                <a:cs typeface="+mj-cs"/>
-                <a:sym typeface="Avenir Next"/>
-              </a:defRPr>
-            </a:pPr>
-            <a:endParaRPr lang="en-US" sz="4000" dirty="0">
-              <a:sym typeface="Avenir Next"/>
-            </a:endParaRPr>
+              <a:rPr lang="lt-LT" dirty="0"/>
+              <a:t>TASK:</a:t>
+            </a:r>
+          </a:p>
+          <a:p>
+            <a:r>
+              <a:rPr lang="lt-LT" dirty="0" err="1"/>
+              <a:t>Add</a:t>
+            </a:r>
+            <a:r>
+              <a:rPr lang="lt-LT" dirty="0"/>
+              <a:t> </a:t>
+            </a:r>
+            <a:r>
+              <a:rPr lang="lt-LT" dirty="0" err="1"/>
+              <a:t>content</a:t>
+            </a:r>
+            <a:endParaRPr lang="lt-LT" dirty="0"/>
           </a:p>
         </p:txBody>
       </p:sp>
     </p:spTree>
     <p:extLst>
       <p:ext uri="{BB962C8B-B14F-4D97-AF65-F5344CB8AC3E}">
-        <p14:creationId xmlns:p14="http://schemas.microsoft.com/office/powerpoint/2010/main" val="3094425566"/>
+        <p14:creationId xmlns:p14="http://schemas.microsoft.com/office/powerpoint/2010/main" val="283825815"/>
       </p:ext>
     </p:extLst>
   </p:cSld>
@@ -3297,7 +3379,7 @@
         <p:spPr>
           <a:xfrm>
             <a:off x="2572664" y="2699493"/>
-            <a:ext cx="10911641" cy="1087477"/>
+            <a:ext cx="5081519" cy="1087477"/>
           </a:xfrm>
           <a:prstGeom prst="rect">
             <a:avLst/>
@@ -3328,13 +3410,8 @@
           <a:p>
             <a:r>
               <a:rPr lang="en-US" dirty="0"/>
-              <a:t>Events &amp; default </a:t>
-            </a:r>
-            <a:r>
-              <a:rPr lang="en-US"/>
-              <a:t>behaviour</a:t>
-            </a:r>
-            <a:endParaRPr lang="en-US" dirty="0"/>
+              <a:t>Event object</a:t>
+            </a:r>
           </a:p>
         </p:txBody>
       </p:sp>
@@ -3466,7 +3543,7 @@
     </p:spTree>
     <p:extLst>
       <p:ext uri="{BB962C8B-B14F-4D97-AF65-F5344CB8AC3E}">
-        <p14:creationId xmlns:p14="http://schemas.microsoft.com/office/powerpoint/2010/main" val="3481319961"/>
+        <p14:creationId xmlns:p14="http://schemas.microsoft.com/office/powerpoint/2010/main" val="2079450264"/>
       </p:ext>
     </p:extLst>
   </p:cSld>
@@ -3503,7 +3580,7 @@
         <p:spPr>
           <a:xfrm>
             <a:off x="2572664" y="2699493"/>
-            <a:ext cx="3278141" cy="1087477"/>
+            <a:ext cx="6227667" cy="1087477"/>
           </a:xfrm>
           <a:prstGeom prst="rect">
             <a:avLst/>
@@ -3533,10 +3610,9 @@
           </a:lstStyle>
           <a:p>
             <a:r>
-              <a:rPr lang="en-US" dirty="0" err="1"/>
-              <a:t>Polyfills</a:t>
-            </a:r>
-            <a:endParaRPr lang="en-US" dirty="0"/>
+              <a:rPr lang="en-US" dirty="0"/>
+              <a:t>Event bubbling</a:t>
+            </a:r>
           </a:p>
         </p:txBody>
       </p:sp>
@@ -3628,7 +3704,7 @@
         <p:spPr>
           <a:xfrm>
             <a:off x="2572663" y="4591971"/>
-            <a:ext cx="19179617" cy="2930289"/>
+            <a:ext cx="19179617" cy="948978"/>
           </a:xfrm>
           <a:prstGeom prst="rect">
             <a:avLst/>
@@ -3648,12 +3724,10 @@
           </a:bodyPr>
           <a:lstStyle/>
           <a:p>
-            <a:pPr marL="571500" indent="-571500" algn="l">
+            <a:pPr algn="l">
               <a:lnSpc>
                 <a:spcPct val="150000"/>
               </a:lnSpc>
-              <a:buFont typeface="Arial" panose="020B0604020202020204" pitchFamily="34" charset="0"/>
-              <a:buChar char="•"/>
               <a:defRPr sz="4200">
                 <a:latin typeface="+mj-lt"/>
                 <a:ea typeface="+mj-ea"/>
@@ -3661,60 +3735,6 @@
                 <a:sym typeface="Avenir Next"/>
               </a:defRPr>
             </a:pPr>
-            <a:r>
-              <a:rPr lang="en-US" dirty="0">
-                <a:sym typeface="Avenir Next"/>
-              </a:rPr>
-              <a:t>Code to provide modern functionality for older browsers</a:t>
-            </a:r>
-          </a:p>
-          <a:p>
-            <a:pPr marL="571500" indent="-571500" algn="l">
-              <a:lnSpc>
-                <a:spcPct val="150000"/>
-              </a:lnSpc>
-              <a:buFont typeface="Arial" panose="020B0604020202020204" pitchFamily="34" charset="0"/>
-              <a:buChar char="•"/>
-              <a:defRPr sz="4200">
-                <a:latin typeface="+mj-lt"/>
-                <a:ea typeface="+mj-ea"/>
-                <a:cs typeface="+mj-cs"/>
-                <a:sym typeface="Avenir Next"/>
-              </a:defRPr>
-            </a:pPr>
-            <a:r>
-              <a:rPr lang="en-US" dirty="0">
-                <a:sym typeface="Avenir Next"/>
-              </a:rPr>
-              <a:t>Required when support is not satisfactory</a:t>
-            </a:r>
-          </a:p>
-          <a:p>
-            <a:pPr marL="571500" indent="-571500" algn="l">
-              <a:lnSpc>
-                <a:spcPct val="150000"/>
-              </a:lnSpc>
-              <a:buFont typeface="Arial" panose="020B0604020202020204" pitchFamily="34" charset="0"/>
-              <a:buChar char="•"/>
-              <a:defRPr sz="4200">
-                <a:latin typeface="+mj-lt"/>
-                <a:ea typeface="+mj-ea"/>
-                <a:cs typeface="+mj-cs"/>
-                <a:sym typeface="Avenir Next"/>
-              </a:defRPr>
-            </a:pPr>
-            <a:r>
-              <a:rPr lang="en-US" dirty="0">
-                <a:sym typeface="Avenir Next"/>
-              </a:rPr>
-              <a:t>Support can be detected e.g. </a:t>
-            </a:r>
-            <a:r>
-              <a:rPr lang="en-US" dirty="0" err="1">
-                <a:sym typeface="Avenir Next"/>
-              </a:rPr>
-              <a:t>Modernizr</a:t>
-            </a:r>
             <a:endParaRPr lang="en-US" sz="4000" dirty="0">
               <a:sym typeface="Avenir Next"/>
             </a:endParaRPr>
@@ -3724,7 +3744,7 @@
     </p:spTree>
     <p:extLst>
       <p:ext uri="{BB962C8B-B14F-4D97-AF65-F5344CB8AC3E}">
-        <p14:creationId xmlns:p14="http://schemas.microsoft.com/office/powerpoint/2010/main" val="1043789599"/>
+        <p14:creationId xmlns:p14="http://schemas.microsoft.com/office/powerpoint/2010/main" val="3094425566"/>
       </p:ext>
     </p:extLst>
   </p:cSld>
@@ -3761,7 +3781,7 @@
         <p:spPr>
           <a:xfrm>
             <a:off x="2572664" y="2699493"/>
-            <a:ext cx="4776949" cy="1087477"/>
+            <a:ext cx="10408299" cy="1087477"/>
           </a:xfrm>
           <a:prstGeom prst="rect">
             <a:avLst/>
@@ -3792,7 +3812,7 @@
           <a:p>
             <a:r>
               <a:rPr lang="en-US" dirty="0"/>
-              <a:t>What is ES6</a:t>
+              <a:t>Events &amp; default behavior</a:t>
             </a:r>
           </a:p>
         </p:txBody>
@@ -3925,7 +3945,7 @@
     </p:spTree>
     <p:extLst>
       <p:ext uri="{BB962C8B-B14F-4D97-AF65-F5344CB8AC3E}">
-        <p14:creationId xmlns:p14="http://schemas.microsoft.com/office/powerpoint/2010/main" val="2195912541"/>
+        <p14:creationId xmlns:p14="http://schemas.microsoft.com/office/powerpoint/2010/main" val="3481319961"/>
       </p:ext>
     </p:extLst>
   </p:cSld>
@@ -3955,14 +3975,14 @@
       </p:grpSpPr>
       <p:sp>
         <p:nvSpPr>
-          <p:cNvPr id="76" name="Title goes here"/>
+          <p:cNvPr id="74" name="Red section title"/>
           <p:cNvSpPr txBox="1"/>
           <p:nvPr/>
         </p:nvSpPr>
         <p:spPr>
           <a:xfrm>
-            <a:off x="2572664" y="2699493"/>
-            <a:ext cx="9821599" cy="1087477"/>
+            <a:off x="2224560" y="4836933"/>
+            <a:ext cx="19934944" cy="4042132"/>
           </a:xfrm>
           <a:prstGeom prst="rect">
             <a:avLst/>
@@ -3981,8 +4001,11 @@
             <a:spAutoFit/>
           </a:bodyPr>
           <a:lstStyle>
-            <a:lvl1pPr algn="l">
-              <a:defRPr sz="6400" b="1">
+            <a:lvl1pPr>
+              <a:defRPr sz="12800" b="1">
+                <a:solidFill>
+                  <a:srgbClr val="FFFFFF"/>
+                </a:solidFill>
                 <a:latin typeface="+mj-lt"/>
                 <a:ea typeface="+mj-ea"/>
                 <a:cs typeface="+mj-cs"/>
@@ -3992,296 +4015,39 @@
           </a:lstStyle>
           <a:p>
             <a:r>
-              <a:rPr lang="en-US" dirty="0"/>
-              <a:t>Why should you use ES6</a:t>
-            </a:r>
-          </a:p>
-        </p:txBody>
-      </p:sp>
-      <p:sp>
-        <p:nvSpPr>
-          <p:cNvPr id="77" name="Build products that are fast, effortless to use, and aesthetically pleasing. Make things meaningful and worthy of your time."/>
-          <p:cNvSpPr txBox="1"/>
-          <p:nvPr/>
-        </p:nvSpPr>
-        <p:spPr>
-          <a:xfrm>
-            <a:off x="2631719" y="3935381"/>
-            <a:ext cx="12663704" cy="656590"/>
-          </a:xfrm>
-          <a:prstGeom prst="rect">
-            <a:avLst/>
-          </a:prstGeom>
-          <a:ln w="12700">
-            <a:miter lim="400000"/>
-          </a:ln>
-          <a:extLst>
-            <a:ext uri="{C572A759-6A51-4108-AA02-DFA0A04FC94B}">
-              <ma14:wrappingTextBoxFlag xmlns:ma14="http://schemas.microsoft.com/office/mac/drawingml/2011/main" xmlns:a14="http://schemas.microsoft.com/office/drawing/2010/main" xmlns:m="http://schemas.openxmlformats.org/officeDocument/2006/math" xmlns="" val="1"/>
-            </a:ext>
-          </a:extLst>
-        </p:spPr>
-        <p:txBody>
-          <a:bodyPr lIns="50800" tIns="50800" rIns="50800" bIns="50800">
-            <a:spAutoFit/>
-          </a:bodyPr>
-          <a:lstStyle>
-            <a:lvl1pPr algn="l">
-              <a:defRPr sz="3600">
-                <a:latin typeface="+mj-lt"/>
-                <a:ea typeface="+mj-ea"/>
-                <a:cs typeface="+mj-cs"/>
-                <a:sym typeface="Avenir Next"/>
-              </a:defRPr>
-            </a:lvl1pPr>
-          </a:lstStyle>
-          <a:p>
-            <a:endParaRPr lang="en-US" dirty="0"/>
-          </a:p>
-        </p:txBody>
-      </p:sp>
-      <p:sp>
-        <p:nvSpPr>
-          <p:cNvPr id="78" name="Line"/>
-          <p:cNvSpPr/>
-          <p:nvPr/>
-        </p:nvSpPr>
-        <p:spPr>
-          <a:xfrm>
-            <a:off x="2641600" y="1846231"/>
-            <a:ext cx="1516409" cy="1"/>
-          </a:xfrm>
-          <a:prstGeom prst="line">
-            <a:avLst/>
-          </a:prstGeom>
-          <a:ln w="203200">
-            <a:solidFill>
-              <a:srgbClr val="FF3454"/>
-            </a:solidFill>
-            <a:miter lim="400000"/>
-          </a:ln>
-        </p:spPr>
-        <p:txBody>
-          <a:bodyPr lIns="50800" tIns="50800" rIns="50800" bIns="50800" anchor="ctr"/>
-          <a:lstStyle/>
-          <a:p>
-            <a:pPr algn="l">
-              <a:defRPr sz="2800">
-                <a:latin typeface="+mj-lt"/>
-                <a:ea typeface="+mj-ea"/>
-                <a:cs typeface="+mj-cs"/>
-                <a:sym typeface="Avenir Next"/>
-              </a:defRPr>
-            </a:pPr>
-            <a:endParaRPr/>
-          </a:p>
-        </p:txBody>
-      </p:sp>
-      <p:sp>
-        <p:nvSpPr>
-          <p:cNvPr id="79" name="Build products that are fast, effortless to use, and aesthetically pleasing. Make things meaningful and worthy of your time.…"/>
-          <p:cNvSpPr txBox="1"/>
-          <p:nvPr/>
-        </p:nvSpPr>
-        <p:spPr>
-          <a:xfrm>
-            <a:off x="2572663" y="4591971"/>
-            <a:ext cx="19179617" cy="7412286"/>
-          </a:xfrm>
-          <a:prstGeom prst="rect">
-            <a:avLst/>
-          </a:prstGeom>
-          <a:ln w="12700">
-            <a:miter lim="400000"/>
-          </a:ln>
-          <a:extLst>
-            <a:ext uri="{C572A759-6A51-4108-AA02-DFA0A04FC94B}">
-              <ma14:wrappingTextBoxFlag xmlns:ma14="http://schemas.microsoft.com/office/mac/drawingml/2011/main" xmlns:a14="http://schemas.microsoft.com/office/drawing/2010/main" xmlns:m="http://schemas.openxmlformats.org/officeDocument/2006/math" xmlns="" val="1"/>
-            </a:ext>
-          </a:extLst>
-        </p:spPr>
-        <p:txBody>
-          <a:bodyPr wrap="square" lIns="50800" tIns="50800" rIns="50800" bIns="50800">
-            <a:spAutoFit/>
-          </a:bodyPr>
-          <a:lstStyle/>
-          <a:p>
-            <a:pPr algn="l">
-              <a:lnSpc>
-                <a:spcPct val="150000"/>
-              </a:lnSpc>
-              <a:defRPr sz="4200">
-                <a:latin typeface="+mj-lt"/>
-                <a:ea typeface="+mj-ea"/>
-                <a:cs typeface="+mj-cs"/>
-                <a:sym typeface="Avenir Next"/>
-              </a:defRPr>
-            </a:pPr>
-            <a:r>
-              <a:rPr lang="en-US" sz="4000" b="1" dirty="0">
-                <a:sym typeface="Avenir Next"/>
-              </a:rPr>
-              <a:t>Pros</a:t>
-            </a:r>
-          </a:p>
-          <a:p>
-            <a:pPr marL="571500" indent="-571500" algn="l">
-              <a:lnSpc>
-                <a:spcPct val="150000"/>
-              </a:lnSpc>
-              <a:buFont typeface="Arial" panose="020B0604020202020204" pitchFamily="34" charset="0"/>
-              <a:buChar char="•"/>
-              <a:defRPr sz="4200">
-                <a:latin typeface="+mj-lt"/>
-                <a:ea typeface="+mj-ea"/>
-                <a:cs typeface="+mj-cs"/>
-                <a:sym typeface="Avenir Next"/>
-              </a:defRPr>
-            </a:pPr>
-            <a:r>
-              <a:rPr lang="en-US" sz="4000" dirty="0">
-                <a:sym typeface="Avenir Next"/>
-              </a:rPr>
-              <a:t>cleaner code, better readability</a:t>
-            </a:r>
-          </a:p>
-          <a:p>
-            <a:pPr marL="571500" indent="-571500" algn="l">
-              <a:lnSpc>
-                <a:spcPct val="150000"/>
-              </a:lnSpc>
-              <a:buFont typeface="Arial" panose="020B0604020202020204" pitchFamily="34" charset="0"/>
-              <a:buChar char="•"/>
-              <a:defRPr sz="4200">
-                <a:latin typeface="+mj-lt"/>
-                <a:ea typeface="+mj-ea"/>
-                <a:cs typeface="+mj-cs"/>
-                <a:sym typeface="Avenir Next"/>
-              </a:defRPr>
-            </a:pPr>
-            <a:r>
-              <a:rPr lang="en-US" sz="4000" dirty="0">
-                <a:sym typeface="Avenir Next"/>
-              </a:rPr>
-              <a:t>Less effort, saves times</a:t>
-            </a:r>
-          </a:p>
-          <a:p>
-            <a:pPr marL="571500" indent="-571500" algn="l">
-              <a:lnSpc>
-                <a:spcPct val="150000"/>
-              </a:lnSpc>
-              <a:buFont typeface="Arial" panose="020B0604020202020204" pitchFamily="34" charset="0"/>
-              <a:buChar char="•"/>
-              <a:defRPr sz="4200">
-                <a:latin typeface="+mj-lt"/>
-                <a:ea typeface="+mj-ea"/>
-                <a:cs typeface="+mj-cs"/>
-                <a:sym typeface="Avenir Next"/>
-              </a:defRPr>
-            </a:pPr>
-            <a:endParaRPr lang="en-US" sz="4000" dirty="0">
-              <a:sym typeface="Avenir Next"/>
-            </a:endParaRPr>
-          </a:p>
-          <a:p>
-            <a:pPr algn="l">
-              <a:lnSpc>
-                <a:spcPct val="150000"/>
-              </a:lnSpc>
-              <a:defRPr sz="4200">
-                <a:latin typeface="+mj-lt"/>
-                <a:ea typeface="+mj-ea"/>
-                <a:cs typeface="+mj-cs"/>
-                <a:sym typeface="Avenir Next"/>
-              </a:defRPr>
-            </a:pPr>
-            <a:r>
-              <a:rPr lang="en-US" sz="4000" b="1" dirty="0">
-                <a:sym typeface="Avenir Next"/>
-              </a:rPr>
-              <a:t>Cons</a:t>
-            </a:r>
-          </a:p>
-          <a:p>
-            <a:pPr marL="571500" indent="-571500" algn="l">
-              <a:lnSpc>
-                <a:spcPct val="150000"/>
-              </a:lnSpc>
-              <a:buFont typeface="Arial" panose="020B0604020202020204" pitchFamily="34" charset="0"/>
-              <a:buChar char="•"/>
-              <a:defRPr sz="4200">
-                <a:latin typeface="+mj-lt"/>
-                <a:ea typeface="+mj-ea"/>
-                <a:cs typeface="+mj-cs"/>
-                <a:sym typeface="Avenir Next"/>
-              </a:defRPr>
-            </a:pPr>
-            <a:r>
-              <a:rPr lang="en-US" sz="4000" dirty="0">
-                <a:sym typeface="Avenir Next"/>
-              </a:rPr>
-              <a:t>Browser support</a:t>
-            </a:r>
-          </a:p>
-          <a:p>
-            <a:pPr marL="571500" indent="-571500" algn="l">
-              <a:lnSpc>
-                <a:spcPct val="150000"/>
-              </a:lnSpc>
-              <a:buFont typeface="Arial" panose="020B0604020202020204" pitchFamily="34" charset="0"/>
-              <a:buChar char="•"/>
-              <a:defRPr sz="4200">
-                <a:latin typeface="+mj-lt"/>
-                <a:ea typeface="+mj-ea"/>
-                <a:cs typeface="+mj-cs"/>
-                <a:sym typeface="Avenir Next"/>
-              </a:defRPr>
-            </a:pPr>
-            <a:endParaRPr lang="en-US" sz="4000" dirty="0">
-              <a:sym typeface="Avenir Next"/>
-            </a:endParaRPr>
-          </a:p>
-          <a:p>
-            <a:pPr algn="l">
-              <a:lnSpc>
-                <a:spcPct val="150000"/>
-              </a:lnSpc>
-              <a:defRPr sz="4200">
-                <a:latin typeface="+mj-lt"/>
-                <a:ea typeface="+mj-ea"/>
-                <a:cs typeface="+mj-cs"/>
-                <a:sym typeface="Avenir Next"/>
-              </a:defRPr>
-            </a:pPr>
-            <a:r>
-              <a:rPr lang="en-US" sz="4000" b="1" dirty="0">
-                <a:sym typeface="Avenir Next"/>
-              </a:rPr>
-              <a:t>Solution </a:t>
-            </a:r>
-            <a:r>
-              <a:rPr lang="en-US" sz="4000" dirty="0">
-                <a:sym typeface="Avenir Next"/>
-              </a:rPr>
-              <a:t>– </a:t>
-            </a:r>
-            <a:r>
-              <a:rPr lang="en-US" sz="4000" dirty="0" err="1">
-                <a:sym typeface="Avenir Next"/>
-              </a:rPr>
-              <a:t>transpiler</a:t>
-            </a:r>
-            <a:endParaRPr lang="en-US" sz="4000" dirty="0">
-              <a:sym typeface="Avenir Next"/>
-            </a:endParaRPr>
+              <a:rPr lang="lt-LT" dirty="0"/>
+              <a:t>TASK:</a:t>
+            </a:r>
+          </a:p>
+          <a:p>
+            <a:r>
+              <a:rPr lang="lt-LT" dirty="0" err="1"/>
+              <a:t>Prevent</a:t>
+            </a:r>
+            <a:r>
+              <a:rPr lang="lt-LT" dirty="0"/>
+              <a:t> </a:t>
+            </a:r>
+            <a:r>
+              <a:rPr lang="lt-LT" dirty="0" err="1"/>
+              <a:t>default</a:t>
+            </a:r>
+            <a:r>
+              <a:rPr lang="lt-LT" dirty="0"/>
+              <a:t> </a:t>
+            </a:r>
+            <a:r>
+              <a:rPr lang="lt-LT" dirty="0" err="1"/>
+              <a:t>behavior</a:t>
+            </a:r>
+            <a:endParaRPr lang="lt-LT" dirty="0"/>
           </a:p>
         </p:txBody>
       </p:sp>
     </p:spTree>
     <p:extLst>
       <p:ext uri="{BB962C8B-B14F-4D97-AF65-F5344CB8AC3E}">
-        <p14:creationId xmlns:p14="http://schemas.microsoft.com/office/powerpoint/2010/main" val="1835959863"/>
+        <p14:creationId xmlns:p14="http://schemas.microsoft.com/office/powerpoint/2010/main" val="997255621"/>
       </p:ext>
     </p:extLst>
   </p:cSld>
@@ -4442,7 +4208,7 @@
         <p:spPr>
           <a:xfrm>
             <a:off x="2572663" y="4591971"/>
-            <a:ext cx="19179617" cy="7412286"/>
+            <a:ext cx="19179617" cy="948978"/>
           </a:xfrm>
           <a:prstGeom prst="rect">
             <a:avLst/>
@@ -4475,189 +4241,12 @@
                 <a:sym typeface="Avenir Next"/>
               </a:defRPr>
             </a:pPr>
-            <a:r>
-              <a:rPr lang="en-US" sz="4000" dirty="0" err="1">
-                <a:solidFill>
-                  <a:schemeClr val="bg1"/>
-                </a:solidFill>
-                <a:sym typeface="Avenir Next"/>
-              </a:rPr>
-              <a:t>Classnames</a:t>
-            </a:r>
             <a:endParaRPr lang="en-US" sz="4000" dirty="0">
               <a:solidFill>
                 <a:schemeClr val="bg1"/>
               </a:solidFill>
               <a:sym typeface="Avenir Next"/>
             </a:endParaRPr>
-          </a:p>
-          <a:p>
-            <a:pPr marL="571500" indent="-571500" algn="l">
-              <a:lnSpc>
-                <a:spcPct val="150000"/>
-              </a:lnSpc>
-              <a:buFont typeface="Arial" panose="020B0604020202020204" pitchFamily="34" charset="0"/>
-              <a:buChar char="•"/>
-              <a:defRPr sz="4200">
-                <a:latin typeface="+mj-lt"/>
-                <a:ea typeface="+mj-ea"/>
-                <a:cs typeface="+mj-cs"/>
-                <a:sym typeface="Avenir Next"/>
-              </a:defRPr>
-            </a:pPr>
-            <a:r>
-              <a:rPr lang="en-US" sz="4000" dirty="0">
-                <a:solidFill>
-                  <a:schemeClr val="bg1"/>
-                </a:solidFill>
-                <a:sym typeface="Avenir Next"/>
-              </a:rPr>
-              <a:t>Create &amp; remove elements</a:t>
-            </a:r>
-          </a:p>
-          <a:p>
-            <a:pPr marL="571500" indent="-571500" algn="l">
-              <a:lnSpc>
-                <a:spcPct val="150000"/>
-              </a:lnSpc>
-              <a:buFont typeface="Arial" panose="020B0604020202020204" pitchFamily="34" charset="0"/>
-              <a:buChar char="•"/>
-              <a:defRPr sz="4200">
-                <a:latin typeface="+mj-lt"/>
-                <a:ea typeface="+mj-ea"/>
-                <a:cs typeface="+mj-cs"/>
-                <a:sym typeface="Avenir Next"/>
-              </a:defRPr>
-            </a:pPr>
-            <a:r>
-              <a:rPr lang="en-US" sz="4000" dirty="0">
-                <a:solidFill>
-                  <a:schemeClr val="bg1"/>
-                </a:solidFill>
-                <a:sym typeface="Avenir Next"/>
-              </a:rPr>
-              <a:t>Unit tests</a:t>
-            </a:r>
-          </a:p>
-          <a:p>
-            <a:pPr marL="571500" indent="-571500" algn="l">
-              <a:lnSpc>
-                <a:spcPct val="150000"/>
-              </a:lnSpc>
-              <a:buFont typeface="Arial" panose="020B0604020202020204" pitchFamily="34" charset="0"/>
-              <a:buChar char="•"/>
-              <a:defRPr sz="4200">
-                <a:latin typeface="+mj-lt"/>
-                <a:ea typeface="+mj-ea"/>
-                <a:cs typeface="+mj-cs"/>
-                <a:sym typeface="Avenir Next"/>
-              </a:defRPr>
-            </a:pPr>
-            <a:r>
-              <a:rPr lang="en-US" sz="4000" dirty="0">
-                <a:solidFill>
-                  <a:schemeClr val="bg1"/>
-                </a:solidFill>
-                <a:sym typeface="Avenir Next"/>
-              </a:rPr>
-              <a:t>Element size &amp; coordinates</a:t>
-            </a:r>
-          </a:p>
-          <a:p>
-            <a:pPr marL="571500" indent="-571500" algn="l">
-              <a:lnSpc>
-                <a:spcPct val="150000"/>
-              </a:lnSpc>
-              <a:buFont typeface="Arial" panose="020B0604020202020204" pitchFamily="34" charset="0"/>
-              <a:buChar char="•"/>
-              <a:defRPr sz="4200">
-                <a:latin typeface="+mj-lt"/>
-                <a:ea typeface="+mj-ea"/>
-                <a:cs typeface="+mj-cs"/>
-                <a:sym typeface="Avenir Next"/>
-              </a:defRPr>
-            </a:pPr>
-            <a:r>
-              <a:rPr lang="en-US" sz="4000" dirty="0">
-                <a:solidFill>
-                  <a:schemeClr val="bg1"/>
-                </a:solidFill>
-                <a:sym typeface="Avenir Next"/>
-              </a:rPr>
-              <a:t>Scope</a:t>
-            </a:r>
-          </a:p>
-          <a:p>
-            <a:pPr marL="571500" indent="-571500" algn="l">
-              <a:lnSpc>
-                <a:spcPct val="150000"/>
-              </a:lnSpc>
-              <a:buFont typeface="Arial" panose="020B0604020202020204" pitchFamily="34" charset="0"/>
-              <a:buChar char="•"/>
-              <a:defRPr sz="4200">
-                <a:latin typeface="+mj-lt"/>
-                <a:ea typeface="+mj-ea"/>
-                <a:cs typeface="+mj-cs"/>
-                <a:sym typeface="Avenir Next"/>
-              </a:defRPr>
-            </a:pPr>
-            <a:r>
-              <a:rPr lang="en-US" sz="4000" dirty="0">
-                <a:solidFill>
-                  <a:schemeClr val="bg1"/>
-                </a:solidFill>
-                <a:sym typeface="Avenir Next"/>
-              </a:rPr>
-              <a:t>this</a:t>
-            </a:r>
-          </a:p>
-          <a:p>
-            <a:pPr marL="571500" indent="-571500" algn="l">
-              <a:lnSpc>
-                <a:spcPct val="150000"/>
-              </a:lnSpc>
-              <a:buFont typeface="Arial" panose="020B0604020202020204" pitchFamily="34" charset="0"/>
-              <a:buChar char="•"/>
-              <a:defRPr sz="4200">
-                <a:latin typeface="+mj-lt"/>
-                <a:ea typeface="+mj-ea"/>
-                <a:cs typeface="+mj-cs"/>
-                <a:sym typeface="Avenir Next"/>
-              </a:defRPr>
-            </a:pPr>
-            <a:r>
-              <a:rPr lang="en-US" sz="4000" dirty="0">
-                <a:solidFill>
-                  <a:schemeClr val="bg1"/>
-                </a:solidFill>
-                <a:sym typeface="Avenir Next"/>
-              </a:rPr>
-              <a:t>Events</a:t>
-            </a:r>
-          </a:p>
-          <a:p>
-            <a:pPr marL="571500" indent="-571500" algn="l">
-              <a:lnSpc>
-                <a:spcPct val="150000"/>
-              </a:lnSpc>
-              <a:buFont typeface="Arial" panose="020B0604020202020204" pitchFamily="34" charset="0"/>
-              <a:buChar char="•"/>
-              <a:defRPr sz="4200">
-                <a:latin typeface="+mj-lt"/>
-                <a:ea typeface="+mj-ea"/>
-                <a:cs typeface="+mj-cs"/>
-                <a:sym typeface="Avenir Next"/>
-              </a:defRPr>
-            </a:pPr>
-            <a:r>
-              <a:rPr lang="en-US" sz="4000" dirty="0">
-                <a:solidFill>
-                  <a:schemeClr val="bg1"/>
-                </a:solidFill>
-                <a:sym typeface="Avenir Next"/>
-              </a:rPr>
-              <a:t>ES6</a:t>
-            </a:r>
           </a:p>
         </p:txBody>
       </p:sp>
@@ -4701,7 +4290,7 @@
         <p:spPr>
           <a:xfrm>
             <a:off x="2572664" y="2699493"/>
-            <a:ext cx="5588068" cy="1087477"/>
+            <a:ext cx="6993902" cy="1087477"/>
           </a:xfrm>
           <a:prstGeom prst="rect">
             <a:avLst/>
@@ -4732,7 +4321,7 @@
           <a:p>
             <a:r>
               <a:rPr lang="en-US" dirty="0"/>
-              <a:t>Const, let, var</a:t>
+              <a:t>Breakpoints in JS</a:t>
             </a:r>
           </a:p>
         </p:txBody>
@@ -4865,7 +4454,7 @@
     </p:spTree>
     <p:extLst>
       <p:ext uri="{BB962C8B-B14F-4D97-AF65-F5344CB8AC3E}">
-        <p14:creationId xmlns:p14="http://schemas.microsoft.com/office/powerpoint/2010/main" val="3983555559"/>
+        <p14:creationId xmlns:p14="http://schemas.microsoft.com/office/powerpoint/2010/main" val="2607532208"/>
       </p:ext>
     </p:extLst>
   </p:cSld>
@@ -4895,14 +4484,14 @@
       </p:grpSpPr>
       <p:sp>
         <p:nvSpPr>
-          <p:cNvPr id="76" name="Title goes here"/>
+          <p:cNvPr id="74" name="Red section title"/>
           <p:cNvSpPr txBox="1"/>
           <p:nvPr/>
         </p:nvSpPr>
         <p:spPr>
           <a:xfrm>
-            <a:off x="2572664" y="2699493"/>
-            <a:ext cx="6471323" cy="1087477"/>
+            <a:off x="7328518" y="4836933"/>
+            <a:ext cx="9727022" cy="4042132"/>
           </a:xfrm>
           <a:prstGeom prst="rect">
             <a:avLst/>
@@ -4921,8 +4510,11 @@
             <a:spAutoFit/>
           </a:bodyPr>
           <a:lstStyle>
-            <a:lvl1pPr algn="l">
-              <a:defRPr sz="6400" b="1">
+            <a:lvl1pPr>
+              <a:defRPr sz="12800" b="1">
+                <a:solidFill>
+                  <a:srgbClr val="FFFFFF"/>
+                </a:solidFill>
                 <a:latin typeface="+mj-lt"/>
                 <a:ea typeface="+mj-ea"/>
                 <a:cs typeface="+mj-cs"/>
@@ -4932,141 +4524,23 @@
           </a:lstStyle>
           <a:p>
             <a:r>
-              <a:rPr lang="en-US" dirty="0"/>
-              <a:t>Arrow functions</a:t>
-            </a:r>
-          </a:p>
-        </p:txBody>
-      </p:sp>
-      <p:sp>
-        <p:nvSpPr>
-          <p:cNvPr id="77" name="Build products that are fast, effortless to use, and aesthetically pleasing. Make things meaningful and worthy of your time."/>
-          <p:cNvSpPr txBox="1"/>
-          <p:nvPr/>
-        </p:nvSpPr>
-        <p:spPr>
-          <a:xfrm>
-            <a:off x="2631719" y="3935381"/>
-            <a:ext cx="12663704" cy="656590"/>
-          </a:xfrm>
-          <a:prstGeom prst="rect">
-            <a:avLst/>
-          </a:prstGeom>
-          <a:ln w="12700">
-            <a:miter lim="400000"/>
-          </a:ln>
-          <a:extLst>
-            <a:ext uri="{C572A759-6A51-4108-AA02-DFA0A04FC94B}">
-              <ma14:wrappingTextBoxFlag xmlns:ma14="http://schemas.microsoft.com/office/mac/drawingml/2011/main" xmlns:a14="http://schemas.microsoft.com/office/drawing/2010/main" xmlns:m="http://schemas.openxmlformats.org/officeDocument/2006/math" xmlns="" val="1"/>
-            </a:ext>
-          </a:extLst>
-        </p:spPr>
-        <p:txBody>
-          <a:bodyPr lIns="50800" tIns="50800" rIns="50800" bIns="50800">
-            <a:spAutoFit/>
-          </a:bodyPr>
-          <a:lstStyle>
-            <a:lvl1pPr algn="l">
-              <a:defRPr sz="3600">
-                <a:latin typeface="+mj-lt"/>
-                <a:ea typeface="+mj-ea"/>
-                <a:cs typeface="+mj-cs"/>
-                <a:sym typeface="Avenir Next"/>
-              </a:defRPr>
-            </a:lvl1pPr>
-          </a:lstStyle>
-          <a:p>
-            <a:endParaRPr lang="en-US" dirty="0"/>
-          </a:p>
-        </p:txBody>
-      </p:sp>
-      <p:sp>
-        <p:nvSpPr>
-          <p:cNvPr id="78" name="Line"/>
-          <p:cNvSpPr/>
-          <p:nvPr/>
-        </p:nvSpPr>
-        <p:spPr>
-          <a:xfrm>
-            <a:off x="2641600" y="1846231"/>
-            <a:ext cx="1516409" cy="1"/>
-          </a:xfrm>
-          <a:prstGeom prst="line">
-            <a:avLst/>
-          </a:prstGeom>
-          <a:ln w="203200">
-            <a:solidFill>
-              <a:srgbClr val="FF3454"/>
-            </a:solidFill>
-            <a:miter lim="400000"/>
-          </a:ln>
-        </p:spPr>
-        <p:txBody>
-          <a:bodyPr lIns="50800" tIns="50800" rIns="50800" bIns="50800" anchor="ctr"/>
-          <a:lstStyle/>
-          <a:p>
-            <a:pPr algn="l">
-              <a:defRPr sz="2800">
-                <a:latin typeface="+mj-lt"/>
-                <a:ea typeface="+mj-ea"/>
-                <a:cs typeface="+mj-cs"/>
-                <a:sym typeface="Avenir Next"/>
-              </a:defRPr>
-            </a:pPr>
-            <a:endParaRPr/>
-          </a:p>
-        </p:txBody>
-      </p:sp>
-      <p:sp>
-        <p:nvSpPr>
-          <p:cNvPr id="79" name="Build products that are fast, effortless to use, and aesthetically pleasing. Make things meaningful and worthy of your time.…"/>
-          <p:cNvSpPr txBox="1"/>
-          <p:nvPr/>
-        </p:nvSpPr>
-        <p:spPr>
-          <a:xfrm>
-            <a:off x="2572663" y="4591971"/>
-            <a:ext cx="19179617" cy="948978"/>
-          </a:xfrm>
-          <a:prstGeom prst="rect">
-            <a:avLst/>
-          </a:prstGeom>
-          <a:ln w="12700">
-            <a:miter lim="400000"/>
-          </a:ln>
-          <a:extLst>
-            <a:ext uri="{C572A759-6A51-4108-AA02-DFA0A04FC94B}">
-              <ma14:wrappingTextBoxFlag xmlns:ma14="http://schemas.microsoft.com/office/mac/drawingml/2011/main" xmlns:a14="http://schemas.microsoft.com/office/drawing/2010/main" xmlns:m="http://schemas.openxmlformats.org/officeDocument/2006/math" xmlns="" val="1"/>
-            </a:ext>
-          </a:extLst>
-        </p:spPr>
-        <p:txBody>
-          <a:bodyPr wrap="square" lIns="50800" tIns="50800" rIns="50800" bIns="50800">
-            <a:spAutoFit/>
-          </a:bodyPr>
-          <a:lstStyle/>
-          <a:p>
-            <a:pPr algn="l">
-              <a:lnSpc>
-                <a:spcPct val="150000"/>
-              </a:lnSpc>
-              <a:defRPr sz="4200">
-                <a:latin typeface="+mj-lt"/>
-                <a:ea typeface="+mj-ea"/>
-                <a:cs typeface="+mj-cs"/>
-                <a:sym typeface="Avenir Next"/>
-              </a:defRPr>
-            </a:pPr>
-            <a:endParaRPr lang="en-US" sz="4000" dirty="0">
-              <a:sym typeface="Avenir Next"/>
-            </a:endParaRPr>
+              <a:rPr lang="lt-LT" dirty="0"/>
+              <a:t>TASK:</a:t>
+            </a:r>
+          </a:p>
+          <a:p>
+            <a:r>
+              <a:rPr lang="lt-LT" dirty="0" err="1"/>
+              <a:t>Breakpoints</a:t>
+            </a:r>
+            <a:endParaRPr lang="lt-LT" dirty="0"/>
           </a:p>
         </p:txBody>
       </p:sp>
     </p:spTree>
     <p:extLst>
       <p:ext uri="{BB962C8B-B14F-4D97-AF65-F5344CB8AC3E}">
-        <p14:creationId xmlns:p14="http://schemas.microsoft.com/office/powerpoint/2010/main" val="2739432901"/>
+        <p14:creationId xmlns:p14="http://schemas.microsoft.com/office/powerpoint/2010/main" val="11001072"/>
       </p:ext>
     </p:extLst>
   </p:cSld>
@@ -5103,7 +4577,7 @@
         <p:spPr>
           <a:xfrm>
             <a:off x="2572664" y="2699493"/>
-            <a:ext cx="9685344" cy="1087477"/>
+            <a:ext cx="4776949" cy="1087477"/>
           </a:xfrm>
           <a:prstGeom prst="rect">
             <a:avLst/>
@@ -5134,7 +4608,7 @@
           <a:p>
             <a:r>
               <a:rPr lang="en-US" dirty="0"/>
-              <a:t>Default function params</a:t>
+              <a:t>What is ES6</a:t>
             </a:r>
           </a:p>
         </p:txBody>
@@ -5267,7 +4741,7 @@
     </p:spTree>
     <p:extLst>
       <p:ext uri="{BB962C8B-B14F-4D97-AF65-F5344CB8AC3E}">
-        <p14:creationId xmlns:p14="http://schemas.microsoft.com/office/powerpoint/2010/main" val="975052655"/>
+        <p14:creationId xmlns:p14="http://schemas.microsoft.com/office/powerpoint/2010/main" val="2195912541"/>
       </p:ext>
     </p:extLst>
   </p:cSld>
@@ -5304,7 +4778,7 @@
         <p:spPr>
           <a:xfrm>
             <a:off x="2572664" y="2699493"/>
-            <a:ext cx="6694140" cy="1087477"/>
+            <a:ext cx="9821599" cy="1087477"/>
           </a:xfrm>
           <a:prstGeom prst="rect">
             <a:avLst/>
@@ -5335,7 +4809,7 @@
           <a:p>
             <a:r>
               <a:rPr lang="en-US" dirty="0"/>
-              <a:t>String templates</a:t>
+              <a:t>Why should you use ES6</a:t>
             </a:r>
           </a:p>
         </p:txBody>
@@ -5428,7 +4902,7 @@
         <p:spPr>
           <a:xfrm>
             <a:off x="2572663" y="4591971"/>
-            <a:ext cx="19179617" cy="948978"/>
+            <a:ext cx="19179617" cy="7412286"/>
           </a:xfrm>
           <a:prstGeom prst="rect">
             <a:avLst/>
@@ -5459,16 +4933,171 @@
                 <a:sym typeface="Avenir Next"/>
               </a:defRPr>
             </a:pPr>
+            <a:r>
+              <a:rPr lang="en-US" sz="4000" b="1" dirty="0">
+                <a:sym typeface="Avenir Next"/>
+              </a:rPr>
+              <a:t>Pros</a:t>
+            </a:r>
+          </a:p>
+          <a:p>
+            <a:pPr marL="571500" indent="-571500" algn="l">
+              <a:lnSpc>
+                <a:spcPct val="150000"/>
+              </a:lnSpc>
+              <a:buFont typeface="Arial" panose="020B0604020202020204" pitchFamily="34" charset="0"/>
+              <a:buChar char="•"/>
+              <a:defRPr sz="4200">
+                <a:latin typeface="+mj-lt"/>
+                <a:ea typeface="+mj-ea"/>
+                <a:cs typeface="+mj-cs"/>
+                <a:sym typeface="Avenir Next"/>
+              </a:defRPr>
+            </a:pPr>
+            <a:r>
+              <a:rPr lang="en-US" sz="4000" dirty="0">
+                <a:sym typeface="Avenir Next"/>
+              </a:rPr>
+              <a:t>cleaner code, better readability</a:t>
+            </a:r>
+          </a:p>
+          <a:p>
+            <a:pPr marL="571500" indent="-571500" algn="l">
+              <a:lnSpc>
+                <a:spcPct val="150000"/>
+              </a:lnSpc>
+              <a:buFont typeface="Arial" panose="020B0604020202020204" pitchFamily="34" charset="0"/>
+              <a:buChar char="•"/>
+              <a:defRPr sz="4200">
+                <a:latin typeface="+mj-lt"/>
+                <a:ea typeface="+mj-ea"/>
+                <a:cs typeface="+mj-cs"/>
+                <a:sym typeface="Avenir Next"/>
+              </a:defRPr>
+            </a:pPr>
+            <a:r>
+              <a:rPr lang="en-US" sz="4000" dirty="0">
+                <a:sym typeface="Avenir Next"/>
+              </a:rPr>
+              <a:t>Less effort, saves times</a:t>
+            </a:r>
+          </a:p>
+          <a:p>
+            <a:pPr marL="571500" indent="-571500" algn="l">
+              <a:lnSpc>
+                <a:spcPct val="150000"/>
+              </a:lnSpc>
+              <a:buFont typeface="Arial" panose="020B0604020202020204" pitchFamily="34" charset="0"/>
+              <a:buChar char="•"/>
+              <a:defRPr sz="4200">
+                <a:latin typeface="+mj-lt"/>
+                <a:ea typeface="+mj-ea"/>
+                <a:cs typeface="+mj-cs"/>
+                <a:sym typeface="Avenir Next"/>
+              </a:defRPr>
+            </a:pPr>
             <a:endParaRPr lang="en-US" sz="4000" dirty="0">
               <a:sym typeface="Avenir Next"/>
             </a:endParaRPr>
           </a:p>
+          <a:p>
+            <a:pPr algn="l">
+              <a:lnSpc>
+                <a:spcPct val="150000"/>
+              </a:lnSpc>
+              <a:defRPr sz="4200">
+                <a:latin typeface="+mj-lt"/>
+                <a:ea typeface="+mj-ea"/>
+                <a:cs typeface="+mj-cs"/>
+                <a:sym typeface="Avenir Next"/>
+              </a:defRPr>
+            </a:pPr>
+            <a:r>
+              <a:rPr lang="en-US" sz="4000" b="1" dirty="0">
+                <a:sym typeface="Avenir Next"/>
+              </a:rPr>
+              <a:t>Cons</a:t>
+            </a:r>
+          </a:p>
+          <a:p>
+            <a:pPr marL="571500" indent="-571500" algn="l">
+              <a:lnSpc>
+                <a:spcPct val="150000"/>
+              </a:lnSpc>
+              <a:buFont typeface="Arial" panose="020B0604020202020204" pitchFamily="34" charset="0"/>
+              <a:buChar char="•"/>
+              <a:defRPr sz="4200">
+                <a:latin typeface="+mj-lt"/>
+                <a:ea typeface="+mj-ea"/>
+                <a:cs typeface="+mj-cs"/>
+                <a:sym typeface="Avenir Next"/>
+              </a:defRPr>
+            </a:pPr>
+            <a:r>
+              <a:rPr lang="en-US" sz="4000" dirty="0">
+                <a:sym typeface="Avenir Next"/>
+              </a:rPr>
+              <a:t>Browser support</a:t>
+            </a:r>
+          </a:p>
+          <a:p>
+            <a:pPr marL="571500" indent="-571500" algn="l">
+              <a:lnSpc>
+                <a:spcPct val="150000"/>
+              </a:lnSpc>
+              <a:buFont typeface="Arial" panose="020B0604020202020204" pitchFamily="34" charset="0"/>
+              <a:buChar char="•"/>
+              <a:defRPr sz="4200">
+                <a:latin typeface="+mj-lt"/>
+                <a:ea typeface="+mj-ea"/>
+                <a:cs typeface="+mj-cs"/>
+                <a:sym typeface="Avenir Next"/>
+              </a:defRPr>
+            </a:pPr>
+            <a:endParaRPr lang="en-US" sz="4000" dirty="0">
+              <a:sym typeface="Avenir Next"/>
+            </a:endParaRPr>
+          </a:p>
+          <a:p>
+            <a:pPr algn="l">
+              <a:lnSpc>
+                <a:spcPct val="150000"/>
+              </a:lnSpc>
+              <a:defRPr sz="4200">
+                <a:latin typeface="+mj-lt"/>
+                <a:ea typeface="+mj-ea"/>
+                <a:cs typeface="+mj-cs"/>
+                <a:sym typeface="Avenir Next"/>
+              </a:defRPr>
+            </a:pPr>
+            <a:r>
+              <a:rPr lang="en-US" sz="4000" b="1" dirty="0">
+                <a:sym typeface="Avenir Next"/>
+              </a:rPr>
+              <a:t>Solution </a:t>
+            </a:r>
+            <a:r>
+              <a:rPr lang="en-US" sz="4000" dirty="0">
+                <a:sym typeface="Avenir Next"/>
+              </a:rPr>
+              <a:t>– </a:t>
+            </a:r>
+            <a:r>
+              <a:rPr lang="en-US" sz="4000" dirty="0" err="1">
+                <a:sym typeface="Avenir Next"/>
+              </a:rPr>
+              <a:t>transpiler</a:t>
+            </a:r>
+            <a:endParaRPr lang="en-US" sz="4000" dirty="0">
+              <a:sym typeface="Avenir Next"/>
+            </a:endParaRPr>
+          </a:p>
         </p:txBody>
       </p:sp>
     </p:spTree>
     <p:extLst>
       <p:ext uri="{BB962C8B-B14F-4D97-AF65-F5344CB8AC3E}">
-        <p14:creationId xmlns:p14="http://schemas.microsoft.com/office/powerpoint/2010/main" val="526429004"/>
+        <p14:creationId xmlns:p14="http://schemas.microsoft.com/office/powerpoint/2010/main" val="1835959863"/>
       </p:ext>
     </p:extLst>
   </p:cSld>
@@ -5505,7 +5134,7 @@
         <p:spPr>
           <a:xfrm>
             <a:off x="2572664" y="2699493"/>
-            <a:ext cx="5583260" cy="1087477"/>
+            <a:ext cx="6583534" cy="1087477"/>
           </a:xfrm>
           <a:prstGeom prst="rect">
             <a:avLst/>
@@ -5535,10 +5164,9 @@
           </a:lstStyle>
           <a:p>
             <a:r>
-              <a:rPr lang="en-US" dirty="0" err="1"/>
-              <a:t>Destructuring</a:t>
-            </a:r>
-            <a:endParaRPr lang="en-US" dirty="0"/>
+              <a:rPr lang="en-US" dirty="0"/>
+              <a:t>Scope: var vs let</a:t>
+            </a:r>
           </a:p>
         </p:txBody>
       </p:sp>
@@ -5670,7 +5298,7 @@
     </p:spTree>
     <p:extLst>
       <p:ext uri="{BB962C8B-B14F-4D97-AF65-F5344CB8AC3E}">
-        <p14:creationId xmlns:p14="http://schemas.microsoft.com/office/powerpoint/2010/main" val="1760350554"/>
+        <p14:creationId xmlns:p14="http://schemas.microsoft.com/office/powerpoint/2010/main" val="3983555559"/>
       </p:ext>
     </p:extLst>
   </p:cSld>
@@ -5707,7 +5335,7 @@
         <p:spPr>
           <a:xfrm>
             <a:off x="2572664" y="2699493"/>
-            <a:ext cx="1889941" cy="1087477"/>
+            <a:ext cx="2232984" cy="1087477"/>
           </a:xfrm>
           <a:prstGeom prst="rect">
             <a:avLst/>
@@ -5738,7 +5366,7 @@
           <a:p>
             <a:r>
               <a:rPr lang="en-US" dirty="0"/>
-              <a:t>Map</a:t>
+              <a:t>const</a:t>
             </a:r>
           </a:p>
         </p:txBody>
@@ -5871,7 +5499,7 @@
     </p:spTree>
     <p:extLst>
       <p:ext uri="{BB962C8B-B14F-4D97-AF65-F5344CB8AC3E}">
-        <p14:creationId xmlns:p14="http://schemas.microsoft.com/office/powerpoint/2010/main" val="507234155"/>
+        <p14:creationId xmlns:p14="http://schemas.microsoft.com/office/powerpoint/2010/main" val="275546822"/>
       </p:ext>
     </p:extLst>
   </p:cSld>
@@ -5908,7 +5536,7 @@
         <p:spPr>
           <a:xfrm>
             <a:off x="2572664" y="2699493"/>
-            <a:ext cx="2183290" cy="1087477"/>
+            <a:ext cx="1545295" cy="1087477"/>
           </a:xfrm>
           <a:prstGeom prst="rect">
             <a:avLst/>
@@ -5939,7 +5567,7 @@
           <a:p>
             <a:r>
               <a:rPr lang="en-US" dirty="0"/>
-              <a:t>Filter</a:t>
+              <a:t>this</a:t>
             </a:r>
           </a:p>
         </p:txBody>
@@ -6072,7 +5700,7 @@
     </p:spTree>
     <p:extLst>
       <p:ext uri="{BB962C8B-B14F-4D97-AF65-F5344CB8AC3E}">
-        <p14:creationId xmlns:p14="http://schemas.microsoft.com/office/powerpoint/2010/main" val="3259239354"/>
+        <p14:creationId xmlns:p14="http://schemas.microsoft.com/office/powerpoint/2010/main" val="2120583310"/>
       </p:ext>
     </p:extLst>
   </p:cSld>
@@ -6102,14 +5730,14 @@
       </p:grpSpPr>
       <p:sp>
         <p:nvSpPr>
-          <p:cNvPr id="475" name="Thank you."/>
+          <p:cNvPr id="76" name="Title goes here"/>
           <p:cNvSpPr txBox="1"/>
           <p:nvPr/>
         </p:nvSpPr>
         <p:spPr>
           <a:xfrm>
-            <a:off x="2558874" y="9072860"/>
-            <a:ext cx="5722113" cy="1536701"/>
+            <a:off x="2572664" y="2699493"/>
+            <a:ext cx="6471323" cy="1087477"/>
           </a:xfrm>
           <a:prstGeom prst="rect">
             <a:avLst/>
@@ -6129,13 +5757,7 @@
           </a:bodyPr>
           <a:lstStyle>
             <a:lvl1pPr algn="l">
-              <a:lnSpc>
-                <a:spcPct val="80000"/>
-              </a:lnSpc>
-              <a:defRPr sz="8300" b="1">
-                <a:solidFill>
-                  <a:srgbClr val="1C2E36"/>
-                </a:solidFill>
+              <a:defRPr sz="6400" b="1">
                 <a:latin typeface="+mj-lt"/>
                 <a:ea typeface="+mj-ea"/>
                 <a:cs typeface="+mj-cs"/>
@@ -6145,21 +5767,22 @@
           </a:lstStyle>
           <a:p>
             <a:r>
-              <a:t>Thank you.</a:t>
-            </a:r>
-          </a:p>
-        </p:txBody>
-      </p:sp>
-      <p:sp>
-        <p:nvSpPr>
-          <p:cNvPr id="476" name="First Last…"/>
+              <a:rPr lang="en-US" dirty="0"/>
+              <a:t>Arrow functions</a:t>
+            </a:r>
+          </a:p>
+        </p:txBody>
+      </p:sp>
+      <p:sp>
+        <p:nvSpPr>
+          <p:cNvPr id="77" name="Build products that are fast, effortless to use, and aesthetically pleasing. Make things meaningful and worthy of your time."/>
           <p:cNvSpPr txBox="1"/>
           <p:nvPr/>
         </p:nvSpPr>
         <p:spPr>
           <a:xfrm>
-            <a:off x="2605000" y="10649276"/>
-            <a:ext cx="8256133" cy="1087477"/>
+            <a:off x="2631719" y="3935381"/>
+            <a:ext cx="12663704" cy="656590"/>
           </a:xfrm>
           <a:prstGeom prst="rect">
             <a:avLst/>
@@ -6174,96 +5797,400 @@
           </a:extLst>
         </p:spPr>
         <p:txBody>
-          <a:bodyPr lIns="50800" tIns="50800" rIns="50800" bIns="50800" anchor="ctr">
+          <a:bodyPr lIns="50800" tIns="50800" rIns="50800" bIns="50800">
+            <a:spAutoFit/>
+          </a:bodyPr>
+          <a:lstStyle>
+            <a:lvl1pPr algn="l">
+              <a:defRPr sz="3600">
+                <a:latin typeface="+mj-lt"/>
+                <a:ea typeface="+mj-ea"/>
+                <a:cs typeface="+mj-cs"/>
+                <a:sym typeface="Avenir Next"/>
+              </a:defRPr>
+            </a:lvl1pPr>
+          </a:lstStyle>
+          <a:p>
+            <a:endParaRPr lang="en-US" dirty="0"/>
+          </a:p>
+        </p:txBody>
+      </p:sp>
+      <p:sp>
+        <p:nvSpPr>
+          <p:cNvPr id="78" name="Line"/>
+          <p:cNvSpPr/>
+          <p:nvPr/>
+        </p:nvSpPr>
+        <p:spPr>
+          <a:xfrm>
+            <a:off x="2641600" y="1846231"/>
+            <a:ext cx="1516409" cy="1"/>
+          </a:xfrm>
+          <a:prstGeom prst="line">
+            <a:avLst/>
+          </a:prstGeom>
+          <a:ln w="203200">
+            <a:solidFill>
+              <a:srgbClr val="FF3454"/>
+            </a:solidFill>
+            <a:miter lim="400000"/>
+          </a:ln>
+        </p:spPr>
+        <p:txBody>
+          <a:bodyPr lIns="50800" tIns="50800" rIns="50800" bIns="50800" anchor="ctr"/>
+          <a:lstStyle/>
+          <a:p>
+            <a:pPr algn="l">
+              <a:defRPr sz="2800">
+                <a:latin typeface="+mj-lt"/>
+                <a:ea typeface="+mj-ea"/>
+                <a:cs typeface="+mj-cs"/>
+                <a:sym typeface="Avenir Next"/>
+              </a:defRPr>
+            </a:pPr>
+            <a:endParaRPr/>
+          </a:p>
+        </p:txBody>
+      </p:sp>
+      <p:sp>
+        <p:nvSpPr>
+          <p:cNvPr id="79" name="Build products that are fast, effortless to use, and aesthetically pleasing. Make things meaningful and worthy of your time.…"/>
+          <p:cNvSpPr txBox="1"/>
+          <p:nvPr/>
+        </p:nvSpPr>
+        <p:spPr>
+          <a:xfrm>
+            <a:off x="2572663" y="4591971"/>
+            <a:ext cx="19179617" cy="948978"/>
+          </a:xfrm>
+          <a:prstGeom prst="rect">
+            <a:avLst/>
+          </a:prstGeom>
+          <a:ln w="12700">
+            <a:miter lim="400000"/>
+          </a:ln>
+          <a:extLst>
+            <a:ext uri="{C572A759-6A51-4108-AA02-DFA0A04FC94B}">
+              <ma14:wrappingTextBoxFlag xmlns:ma14="http://schemas.microsoft.com/office/mac/drawingml/2011/main" xmlns:a14="http://schemas.microsoft.com/office/drawing/2010/main" xmlns:m="http://schemas.openxmlformats.org/officeDocument/2006/math" xmlns="" val="1"/>
+            </a:ext>
+          </a:extLst>
+        </p:spPr>
+        <p:txBody>
+          <a:bodyPr wrap="square" lIns="50800" tIns="50800" rIns="50800" bIns="50800">
             <a:spAutoFit/>
           </a:bodyPr>
           <a:lstStyle/>
           <a:p>
             <a:pPr algn="l">
-              <a:defRPr sz="3200">
+              <a:lnSpc>
+                <a:spcPct val="150000"/>
+              </a:lnSpc>
+              <a:defRPr sz="4200">
+                <a:latin typeface="+mj-lt"/>
+                <a:ea typeface="+mj-ea"/>
+                <a:cs typeface="+mj-cs"/>
+                <a:sym typeface="Avenir Next"/>
+              </a:defRPr>
+            </a:pPr>
+            <a:endParaRPr lang="en-US" sz="4000" dirty="0">
+              <a:sym typeface="Avenir Next"/>
+            </a:endParaRPr>
+          </a:p>
+        </p:txBody>
+      </p:sp>
+    </p:spTree>
+    <p:extLst>
+      <p:ext uri="{BB962C8B-B14F-4D97-AF65-F5344CB8AC3E}">
+        <p14:creationId xmlns:p14="http://schemas.microsoft.com/office/powerpoint/2010/main" val="2739432901"/>
+      </p:ext>
+    </p:extLst>
+  </p:cSld>
+  <p:clrMapOvr>
+    <a:masterClrMapping/>
+  </p:clrMapOvr>
+  <p:transition spd="med"/>
+</p:sld>
+</file>
+
+<file path=ppt/slides/slide28.xml><?xml version="1.0" encoding="utf-8"?>
+<p:sld xmlns:a="http://schemas.openxmlformats.org/drawingml/2006/main" xmlns:r="http://schemas.openxmlformats.org/officeDocument/2006/relationships" xmlns:p="http://schemas.openxmlformats.org/presentationml/2006/main">
+  <p:cSld>
+    <p:spTree>
+      <p:nvGrpSpPr>
+        <p:cNvPr id="1" name=""/>
+        <p:cNvGrpSpPr/>
+        <p:nvPr/>
+      </p:nvGrpSpPr>
+      <p:grpSpPr>
+        <a:xfrm>
+          <a:off x="0" y="0"/>
+          <a:ext cx="0" cy="0"/>
+          <a:chOff x="0" y="0"/>
+          <a:chExt cx="0" cy="0"/>
+        </a:xfrm>
+      </p:grpSpPr>
+      <p:sp>
+        <p:nvSpPr>
+          <p:cNvPr id="76" name="Title goes here"/>
+          <p:cNvSpPr txBox="1"/>
+          <p:nvPr/>
+        </p:nvSpPr>
+        <p:spPr>
+          <a:xfrm>
+            <a:off x="2572664" y="2699493"/>
+            <a:ext cx="9685344" cy="1087477"/>
+          </a:xfrm>
+          <a:prstGeom prst="rect">
+            <a:avLst/>
+          </a:prstGeom>
+          <a:ln w="12700">
+            <a:miter lim="400000"/>
+          </a:ln>
+          <a:extLst>
+            <a:ext uri="{C572A759-6A51-4108-AA02-DFA0A04FC94B}">
+              <ma14:wrappingTextBoxFlag xmlns:ma14="http://schemas.microsoft.com/office/mac/drawingml/2011/main" xmlns:a14="http://schemas.microsoft.com/office/drawing/2010/main" xmlns:m="http://schemas.openxmlformats.org/officeDocument/2006/math" xmlns="" val="1"/>
+            </a:ext>
+          </a:extLst>
+        </p:spPr>
+        <p:txBody>
+          <a:bodyPr wrap="none" lIns="50800" tIns="50800" rIns="50800" bIns="50800" anchor="ctr">
+            <a:spAutoFit/>
+          </a:bodyPr>
+          <a:lstStyle>
+            <a:lvl1pPr algn="l">
+              <a:defRPr sz="6400" b="1">
+                <a:latin typeface="+mj-lt"/>
+                <a:ea typeface="+mj-ea"/>
+                <a:cs typeface="+mj-cs"/>
+                <a:sym typeface="Avenir Next"/>
+              </a:defRPr>
+            </a:lvl1pPr>
+          </a:lstStyle>
+          <a:p>
+            <a:r>
+              <a:rPr lang="en-US" dirty="0"/>
+              <a:t>Default function params</a:t>
+            </a:r>
+          </a:p>
+        </p:txBody>
+      </p:sp>
+      <p:sp>
+        <p:nvSpPr>
+          <p:cNvPr id="77" name="Build products that are fast, effortless to use, and aesthetically pleasing. Make things meaningful and worthy of your time."/>
+          <p:cNvSpPr txBox="1"/>
+          <p:nvPr/>
+        </p:nvSpPr>
+        <p:spPr>
+          <a:xfrm>
+            <a:off x="2631719" y="3935381"/>
+            <a:ext cx="12663704" cy="656590"/>
+          </a:xfrm>
+          <a:prstGeom prst="rect">
+            <a:avLst/>
+          </a:prstGeom>
+          <a:ln w="12700">
+            <a:miter lim="400000"/>
+          </a:ln>
+          <a:extLst>
+            <a:ext uri="{C572A759-6A51-4108-AA02-DFA0A04FC94B}">
+              <ma14:wrappingTextBoxFlag xmlns:ma14="http://schemas.microsoft.com/office/mac/drawingml/2011/main" xmlns:a14="http://schemas.microsoft.com/office/drawing/2010/main" xmlns:m="http://schemas.openxmlformats.org/officeDocument/2006/math" xmlns="" val="1"/>
+            </a:ext>
+          </a:extLst>
+        </p:spPr>
+        <p:txBody>
+          <a:bodyPr lIns="50800" tIns="50800" rIns="50800" bIns="50800">
+            <a:spAutoFit/>
+          </a:bodyPr>
+          <a:lstStyle>
+            <a:lvl1pPr algn="l">
+              <a:defRPr sz="3600">
+                <a:latin typeface="+mj-lt"/>
+                <a:ea typeface="+mj-ea"/>
+                <a:cs typeface="+mj-cs"/>
+                <a:sym typeface="Avenir Next"/>
+              </a:defRPr>
+            </a:lvl1pPr>
+          </a:lstStyle>
+          <a:p>
+            <a:endParaRPr lang="en-US" dirty="0"/>
+          </a:p>
+        </p:txBody>
+      </p:sp>
+      <p:sp>
+        <p:nvSpPr>
+          <p:cNvPr id="78" name="Line"/>
+          <p:cNvSpPr/>
+          <p:nvPr/>
+        </p:nvSpPr>
+        <p:spPr>
+          <a:xfrm>
+            <a:off x="2641600" y="1846231"/>
+            <a:ext cx="1516409" cy="1"/>
+          </a:xfrm>
+          <a:prstGeom prst="line">
+            <a:avLst/>
+          </a:prstGeom>
+          <a:ln w="203200">
+            <a:solidFill>
+              <a:srgbClr val="FF3454"/>
+            </a:solidFill>
+            <a:miter lim="400000"/>
+          </a:ln>
+        </p:spPr>
+        <p:txBody>
+          <a:bodyPr lIns="50800" tIns="50800" rIns="50800" bIns="50800" anchor="ctr"/>
+          <a:lstStyle/>
+          <a:p>
+            <a:pPr algn="l">
+              <a:defRPr sz="2800">
+                <a:latin typeface="+mj-lt"/>
+                <a:ea typeface="+mj-ea"/>
+                <a:cs typeface="+mj-cs"/>
+                <a:sym typeface="Avenir Next"/>
+              </a:defRPr>
+            </a:pPr>
+            <a:endParaRPr/>
+          </a:p>
+        </p:txBody>
+      </p:sp>
+      <p:sp>
+        <p:nvSpPr>
+          <p:cNvPr id="79" name="Build products that are fast, effortless to use, and aesthetically pleasing. Make things meaningful and worthy of your time.…"/>
+          <p:cNvSpPr txBox="1"/>
+          <p:nvPr/>
+        </p:nvSpPr>
+        <p:spPr>
+          <a:xfrm>
+            <a:off x="2572663" y="4591971"/>
+            <a:ext cx="19179617" cy="948978"/>
+          </a:xfrm>
+          <a:prstGeom prst="rect">
+            <a:avLst/>
+          </a:prstGeom>
+          <a:ln w="12700">
+            <a:miter lim="400000"/>
+          </a:ln>
+          <a:extLst>
+            <a:ext uri="{C572A759-6A51-4108-AA02-DFA0A04FC94B}">
+              <ma14:wrappingTextBoxFlag xmlns:ma14="http://schemas.microsoft.com/office/mac/drawingml/2011/main" xmlns:a14="http://schemas.microsoft.com/office/drawing/2010/main" xmlns:m="http://schemas.openxmlformats.org/officeDocument/2006/math" xmlns="" val="1"/>
+            </a:ext>
+          </a:extLst>
+        </p:spPr>
+        <p:txBody>
+          <a:bodyPr wrap="square" lIns="50800" tIns="50800" rIns="50800" bIns="50800">
+            <a:spAutoFit/>
+          </a:bodyPr>
+          <a:lstStyle/>
+          <a:p>
+            <a:pPr algn="l">
+              <a:lnSpc>
+                <a:spcPct val="150000"/>
+              </a:lnSpc>
+              <a:defRPr sz="4200">
+                <a:latin typeface="+mj-lt"/>
+                <a:ea typeface="+mj-ea"/>
+                <a:cs typeface="+mj-cs"/>
+                <a:sym typeface="Avenir Next"/>
+              </a:defRPr>
+            </a:pPr>
+            <a:endParaRPr lang="en-US" sz="4000" dirty="0">
+              <a:sym typeface="Avenir Next"/>
+            </a:endParaRPr>
+          </a:p>
+        </p:txBody>
+      </p:sp>
+    </p:spTree>
+    <p:extLst>
+      <p:ext uri="{BB962C8B-B14F-4D97-AF65-F5344CB8AC3E}">
+        <p14:creationId xmlns:p14="http://schemas.microsoft.com/office/powerpoint/2010/main" val="975052655"/>
+      </p:ext>
+    </p:extLst>
+  </p:cSld>
+  <p:clrMapOvr>
+    <a:masterClrMapping/>
+  </p:clrMapOvr>
+  <p:transition spd="med"/>
+</p:sld>
+</file>
+
+<file path=ppt/slides/slide29.xml><?xml version="1.0" encoding="utf-8"?>
+<p:sld xmlns:a="http://schemas.openxmlformats.org/drawingml/2006/main" xmlns:r="http://schemas.openxmlformats.org/officeDocument/2006/relationships" xmlns:p="http://schemas.openxmlformats.org/presentationml/2006/main">
+  <p:cSld>
+    <p:spTree>
+      <p:nvGrpSpPr>
+        <p:cNvPr id="1" name=""/>
+        <p:cNvGrpSpPr/>
+        <p:nvPr/>
+      </p:nvGrpSpPr>
+      <p:grpSpPr>
+        <a:xfrm>
+          <a:off x="0" y="0"/>
+          <a:ext cx="0" cy="0"/>
+          <a:chOff x="0" y="0"/>
+          <a:chExt cx="0" cy="0"/>
+        </a:xfrm>
+      </p:grpSpPr>
+      <p:sp>
+        <p:nvSpPr>
+          <p:cNvPr id="74" name="Red section title"/>
+          <p:cNvSpPr txBox="1"/>
+          <p:nvPr/>
+        </p:nvSpPr>
+        <p:spPr>
+          <a:xfrm>
+            <a:off x="8846565" y="4836933"/>
+            <a:ext cx="6690934" cy="4042132"/>
+          </a:xfrm>
+          <a:prstGeom prst="rect">
+            <a:avLst/>
+          </a:prstGeom>
+          <a:ln w="12700">
+            <a:miter lim="400000"/>
+          </a:ln>
+          <a:extLst>
+            <a:ext uri="{C572A759-6A51-4108-AA02-DFA0A04FC94B}">
+              <ma14:wrappingTextBoxFlag xmlns:ma14="http://schemas.microsoft.com/office/mac/drawingml/2011/main" xmlns:a14="http://schemas.microsoft.com/office/drawing/2010/main" xmlns:m="http://schemas.openxmlformats.org/officeDocument/2006/math" xmlns="" val="1"/>
+            </a:ext>
+          </a:extLst>
+        </p:spPr>
+        <p:txBody>
+          <a:bodyPr wrap="none" lIns="50800" tIns="50800" rIns="50800" bIns="50800" anchor="ctr">
+            <a:spAutoFit/>
+          </a:bodyPr>
+          <a:lstStyle>
+            <a:lvl1pPr>
+              <a:defRPr sz="12800" b="1">
                 <a:solidFill>
-                  <a:srgbClr val="1C2E36"/>
+                  <a:srgbClr val="FFFFFF"/>
                 </a:solidFill>
-              </a:defRPr>
-            </a:pPr>
-            <a:r>
-              <a:rPr lang="en-US" dirty="0" err="1"/>
-              <a:t>Jelizaveta</a:t>
-            </a:r>
-            <a:r>
-              <a:rPr lang="en-US" dirty="0"/>
-              <a:t> </a:t>
-            </a:r>
-            <a:r>
-              <a:rPr lang="en-US" dirty="0" err="1"/>
-              <a:t>Potapova</a:t>
-            </a:r>
-            <a:endParaRPr dirty="0"/>
-          </a:p>
-          <a:p>
-            <a:pPr algn="l">
-              <a:defRPr sz="3200" b="1" i="1">
-                <a:solidFill>
-                  <a:srgbClr val="1C2E36"/>
-                </a:solidFill>
-                <a:latin typeface="+mj-lt"/>
-                <a:ea typeface="+mj-ea"/>
-                <a:cs typeface="+mj-cs"/>
-                <a:sym typeface="Avenir Next"/>
-              </a:defRPr>
-            </a:pPr>
+                <a:latin typeface="+mj-lt"/>
+                <a:ea typeface="+mj-ea"/>
+                <a:cs typeface="+mj-cs"/>
+                <a:sym typeface="Avenir Next"/>
+              </a:defRPr>
+            </a:lvl1pPr>
+          </a:lstStyle>
+          <a:p>
+            <a:r>
+              <a:rPr lang="lt-LT" dirty="0"/>
+              <a:t>TASK:</a:t>
+            </a:r>
+          </a:p>
+          <a:p>
             <a:r>
               <a:rPr lang="lt-LT" dirty="0" err="1"/>
-              <a:t>Senior</a:t>
-            </a:r>
-            <a:r>
-              <a:rPr lang="lt-LT" dirty="0"/>
-              <a:t> </a:t>
-            </a:r>
-            <a:r>
-              <a:rPr lang="lt-LT" dirty="0" err="1"/>
-              <a:t>JavaScript</a:t>
-            </a:r>
-            <a:r>
-              <a:rPr lang="lt-LT" dirty="0"/>
-              <a:t> </a:t>
-            </a:r>
-            <a:r>
-              <a:rPr lang="lt-LT" dirty="0" err="1"/>
-              <a:t>Engineer</a:t>
+              <a:t>function</a:t>
             </a:r>
             <a:endParaRPr lang="lt-LT" dirty="0"/>
           </a:p>
         </p:txBody>
       </p:sp>
-      <p:pic>
-        <p:nvPicPr>
-          <p:cNvPr id="477" name="DB_dark@3x.png" descr="DB_dark@3x.png"/>
-          <p:cNvPicPr>
-            <a:picLocks noChangeAspect="1"/>
-          </p:cNvPicPr>
-          <p:nvPr/>
-        </p:nvPicPr>
-        <p:blipFill>
-          <a:blip r:embed="rId2"/>
-          <a:stretch>
-            <a:fillRect/>
-          </a:stretch>
-        </p:blipFill>
-        <p:spPr>
-          <a:xfrm>
-            <a:off x="2659982" y="1936809"/>
-            <a:ext cx="4511904" cy="975891"/>
-          </a:xfrm>
-          <a:prstGeom prst="rect">
-            <a:avLst/>
-          </a:prstGeom>
-          <a:ln w="12700">
-            <a:miter lim="400000"/>
-          </a:ln>
-        </p:spPr>
-      </p:pic>
     </p:spTree>
+    <p:extLst>
+      <p:ext uri="{BB962C8B-B14F-4D97-AF65-F5344CB8AC3E}">
+        <p14:creationId xmlns:p14="http://schemas.microsoft.com/office/powerpoint/2010/main" val="652221974"/>
+      </p:ext>
+    </p:extLst>
   </p:cSld>
   <p:clrMapOvr>
     <a:masterClrMapping/>
@@ -6298,7 +6225,7 @@
         <p:spPr>
           <a:xfrm>
             <a:off x="2572664" y="2699493"/>
-            <a:ext cx="2752357" cy="1087477"/>
+            <a:ext cx="6612388" cy="1087477"/>
           </a:xfrm>
           <a:prstGeom prst="rect">
             <a:avLst/>
@@ -6329,7 +6256,7 @@
           <a:p>
             <a:r>
               <a:rPr lang="en-US" dirty="0"/>
-              <a:t>Events</a:t>
+              <a:t>Remove content</a:t>
             </a:r>
           </a:p>
         </p:txBody>
@@ -6461,147 +6388,1430 @@
       </p:sp>
       <p:sp>
         <p:nvSpPr>
-          <p:cNvPr id="2" name="Rectangle 1">
+          <p:cNvPr id="2" name="TextBox 1">
             <a:extLst>
               <a:ext uri="{FF2B5EF4-FFF2-40B4-BE49-F238E27FC236}">
-                <a16:creationId xmlns:a16="http://schemas.microsoft.com/office/drawing/2014/main" id="{8F6AB523-9972-884E-A5E7-83E4AF1336A7}"/>
+                <a16:creationId xmlns:a16="http://schemas.microsoft.com/office/drawing/2014/main" id="{B9A649B3-2F0C-2E47-AF08-489B1CD208F4}"/>
               </a:ext>
             </a:extLst>
           </p:cNvPr>
-          <p:cNvSpPr/>
-          <p:nvPr/>
-        </p:nvSpPr>
-        <p:spPr>
-          <a:xfrm>
-            <a:off x="2631718" y="3935381"/>
-            <a:ext cx="19618681" cy="1569660"/>
+          <p:cNvSpPr txBox="1"/>
+          <p:nvPr/>
+        </p:nvSpPr>
+        <p:spPr>
+          <a:xfrm>
+            <a:off x="2747447" y="4147800"/>
+            <a:ext cx="7001917" cy="1579920"/>
           </a:xfrm>
           <a:prstGeom prst="rect">
             <a:avLst/>
           </a:prstGeom>
-        </p:spPr>
-        <p:txBody>
-          <a:bodyPr wrap="square">
+          <a:noFill/>
+          <a:ln w="12700" cap="flat">
+            <a:noFill/>
+            <a:miter lim="400000"/>
+          </a:ln>
+          <a:effectLst/>
+          <a:sp3d/>
+        </p:spPr>
+        <p:style>
+          <a:lnRef idx="0">
+            <a:scrgbClr r="0" g="0" b="0"/>
+          </a:lnRef>
+          <a:fillRef idx="0">
+            <a:scrgbClr r="0" g="0" b="0"/>
+          </a:fillRef>
+          <a:effectRef idx="0">
+            <a:scrgbClr r="0" g="0" b="0"/>
+          </a:effectRef>
+          <a:fontRef idx="none"/>
+        </p:style>
+        <p:txBody>
+          <a:bodyPr rot="0" spcFirstLastPara="1" vertOverflow="overflow" horzOverflow="overflow" vert="horz" wrap="none" lIns="50800" tIns="50800" rIns="50800" bIns="50800" numCol="1" spcCol="38100" rtlCol="0" anchor="ctr">
             <a:spAutoFit/>
           </a:bodyPr>
           <a:lstStyle/>
           <a:p>
-            <a:pPr marL="685800" indent="-685800" algn="l">
-              <a:buFont typeface="Arial" panose="020B0604020202020204" pitchFamily="34" charset="0"/>
-              <a:buChar char="•"/>
+            <a:pPr marL="0" marR="0" indent="0" algn="ctr" defTabSz="825500" rtl="0" fontAlgn="auto" latinLnBrk="0" hangingPunct="0">
+              <a:lnSpc>
+                <a:spcPct val="100000"/>
+              </a:lnSpc>
+              <a:spcBef>
+                <a:spcPts val="0"/>
+              </a:spcBef>
+              <a:spcAft>
+                <a:spcPts val="0"/>
+              </a:spcAft>
+              <a:buClrTx/>
+              <a:buSzTx/>
+              <a:buFontTx/>
+              <a:buNone/>
+              <a:tabLst/>
             </a:pPr>
             <a:r>
-              <a:rPr lang="en-US" dirty="0">
-                <a:latin typeface="Arial" panose="020B0604020202020204" pitchFamily="34" charset="0"/>
+              <a:rPr kumimoji="0" lang="en-US" sz="4800" b="0" i="0" u="none" strike="noStrike" cap="none" spc="0" normalizeH="0" baseline="0" dirty="0" err="1">
+                <a:ln>
+                  <a:noFill/>
+                </a:ln>
+                <a:solidFill>
+                  <a:srgbClr val="38393C"/>
+                </a:solidFill>
+                <a:effectLst/>
+                <a:uFillTx/>
+                <a:latin typeface="+mn-lt"/>
+                <a:ea typeface="+mn-ea"/>
+                <a:cs typeface="+mn-cs"/>
+                <a:sym typeface="Avenir Next Demi Bold"/>
               </a:rPr>
-              <a:t>Event - indication that something happened</a:t>
-            </a:r>
-          </a:p>
-          <a:p>
-            <a:pPr marL="685800" indent="-685800" algn="l">
-              <a:buFont typeface="Arial" panose="020B0604020202020204" pitchFamily="34" charset="0"/>
-              <a:buChar char="•"/>
+              <a:t>Element.innerHTML</a:t>
+            </a:r>
+            <a:r>
+              <a:rPr kumimoji="0" lang="en-US" sz="4800" b="0" i="0" u="none" strike="noStrike" cap="none" spc="0" normalizeH="0" baseline="0" dirty="0">
+                <a:ln>
+                  <a:noFill/>
+                </a:ln>
+                <a:solidFill>
+                  <a:srgbClr val="38393C"/>
+                </a:solidFill>
+                <a:effectLst/>
+                <a:uFillTx/>
+                <a:latin typeface="+mn-lt"/>
+                <a:ea typeface="+mn-ea"/>
+                <a:cs typeface="+mn-cs"/>
+                <a:sym typeface="Avenir Next Demi Bold"/>
+              </a:rPr>
+              <a:t> = ‘’;</a:t>
+            </a:r>
+            <a:endParaRPr lang="en-US" dirty="0"/>
+          </a:p>
+          <a:p>
+            <a:pPr marL="0" marR="0" indent="0" algn="ctr" defTabSz="825500" rtl="0" fontAlgn="auto" latinLnBrk="0" hangingPunct="0">
+              <a:lnSpc>
+                <a:spcPct val="100000"/>
+              </a:lnSpc>
+              <a:spcBef>
+                <a:spcPts val="0"/>
+              </a:spcBef>
+              <a:spcAft>
+                <a:spcPts val="0"/>
+              </a:spcAft>
+              <a:buClrTx/>
+              <a:buSzTx/>
+              <a:buFontTx/>
+              <a:buNone/>
+              <a:tabLst/>
             </a:pPr>
             <a:r>
-              <a:rPr lang="en-US" dirty="0">
-                <a:latin typeface="Arial" panose="020B0604020202020204" pitchFamily="34" charset="0"/>
+              <a:rPr kumimoji="0" lang="en-US" sz="4800" b="0" i="0" u="none" strike="noStrike" cap="none" spc="0" normalizeH="0" baseline="0" dirty="0" err="1">
+                <a:ln>
+                  <a:noFill/>
+                </a:ln>
+                <a:solidFill>
+                  <a:srgbClr val="38393C"/>
+                </a:solidFill>
+                <a:effectLst/>
+                <a:uFillTx/>
+                <a:latin typeface="+mn-lt"/>
+                <a:ea typeface="+mn-ea"/>
+                <a:cs typeface="+mn-cs"/>
+                <a:sym typeface="Avenir Next Demi Bold"/>
               </a:rPr>
-              <a:t>Represented as object</a:t>
-            </a:r>
-          </a:p>
-        </p:txBody>
-      </p:sp>
-      <p:sp>
-        <p:nvSpPr>
-          <p:cNvPr id="7" name="Rectangle 6">
-            <a:extLst>
-              <a:ext uri="{FF2B5EF4-FFF2-40B4-BE49-F238E27FC236}">
-                <a16:creationId xmlns:a16="http://schemas.microsoft.com/office/drawing/2014/main" id="{B12FFB1D-55F7-4C4C-9E40-79329B608372}"/>
-              </a:ext>
-            </a:extLst>
-          </p:cNvPr>
+              <a:t>Element.remove</a:t>
+            </a:r>
+            <a:r>
+              <a:rPr kumimoji="0" lang="en-US" sz="4800" b="0" i="0" u="none" strike="noStrike" cap="none" spc="0" normalizeH="0" baseline="0" dirty="0">
+                <a:ln>
+                  <a:noFill/>
+                </a:ln>
+                <a:solidFill>
+                  <a:srgbClr val="38393C"/>
+                </a:solidFill>
+                <a:effectLst/>
+                <a:uFillTx/>
+                <a:latin typeface="+mn-lt"/>
+                <a:ea typeface="+mn-ea"/>
+                <a:cs typeface="+mn-cs"/>
+                <a:sym typeface="Avenir Next Demi Bold"/>
+              </a:rPr>
+              <a:t>();</a:t>
+            </a:r>
+          </a:p>
+        </p:txBody>
+      </p:sp>
+    </p:spTree>
+    <p:extLst>
+      <p:ext uri="{BB962C8B-B14F-4D97-AF65-F5344CB8AC3E}">
+        <p14:creationId xmlns:p14="http://schemas.microsoft.com/office/powerpoint/2010/main" val="2031561201"/>
+      </p:ext>
+    </p:extLst>
+  </p:cSld>
+  <p:clrMapOvr>
+    <a:masterClrMapping/>
+  </p:clrMapOvr>
+  <p:transition spd="med"/>
+</p:sld>
+</file>
+
+<file path=ppt/slides/slide30.xml><?xml version="1.0" encoding="utf-8"?>
+<p:sld xmlns:a="http://schemas.openxmlformats.org/drawingml/2006/main" xmlns:r="http://schemas.openxmlformats.org/officeDocument/2006/relationships" xmlns:p="http://schemas.openxmlformats.org/presentationml/2006/main">
+  <p:cSld>
+    <p:spTree>
+      <p:nvGrpSpPr>
+        <p:cNvPr id="1" name=""/>
+        <p:cNvGrpSpPr/>
+        <p:nvPr/>
+      </p:nvGrpSpPr>
+      <p:grpSpPr>
+        <a:xfrm>
+          <a:off x="0" y="0"/>
+          <a:ext cx="0" cy="0"/>
+          <a:chOff x="0" y="0"/>
+          <a:chExt cx="0" cy="0"/>
+        </a:xfrm>
+      </p:grpSpPr>
+      <p:sp>
+        <p:nvSpPr>
+          <p:cNvPr id="76" name="Title goes here"/>
+          <p:cNvSpPr txBox="1"/>
+          <p:nvPr/>
+        </p:nvSpPr>
+        <p:spPr>
+          <a:xfrm>
+            <a:off x="2572664" y="2699493"/>
+            <a:ext cx="6694140" cy="1087477"/>
+          </a:xfrm>
+          <a:prstGeom prst="rect">
+            <a:avLst/>
+          </a:prstGeom>
+          <a:ln w="12700">
+            <a:miter lim="400000"/>
+          </a:ln>
+          <a:extLst>
+            <a:ext uri="{C572A759-6A51-4108-AA02-DFA0A04FC94B}">
+              <ma14:wrappingTextBoxFlag xmlns:ma14="http://schemas.microsoft.com/office/mac/drawingml/2011/main" xmlns:a14="http://schemas.microsoft.com/office/drawing/2010/main" xmlns:m="http://schemas.openxmlformats.org/officeDocument/2006/math" xmlns="" val="1"/>
+            </a:ext>
+          </a:extLst>
+        </p:spPr>
+        <p:txBody>
+          <a:bodyPr wrap="none" lIns="50800" tIns="50800" rIns="50800" bIns="50800" anchor="ctr">
+            <a:spAutoFit/>
+          </a:bodyPr>
+          <a:lstStyle>
+            <a:lvl1pPr algn="l">
+              <a:defRPr sz="6400" b="1">
+                <a:latin typeface="+mj-lt"/>
+                <a:ea typeface="+mj-ea"/>
+                <a:cs typeface="+mj-cs"/>
+                <a:sym typeface="Avenir Next"/>
+              </a:defRPr>
+            </a:lvl1pPr>
+          </a:lstStyle>
+          <a:p>
+            <a:r>
+              <a:rPr lang="en-US" dirty="0"/>
+              <a:t>String templates</a:t>
+            </a:r>
+          </a:p>
+        </p:txBody>
+      </p:sp>
+      <p:sp>
+        <p:nvSpPr>
+          <p:cNvPr id="77" name="Build products that are fast, effortless to use, and aesthetically pleasing. Make things meaningful and worthy of your time."/>
+          <p:cNvSpPr txBox="1"/>
+          <p:nvPr/>
+        </p:nvSpPr>
+        <p:spPr>
+          <a:xfrm>
+            <a:off x="2631719" y="3935381"/>
+            <a:ext cx="12663704" cy="656590"/>
+          </a:xfrm>
+          <a:prstGeom prst="rect">
+            <a:avLst/>
+          </a:prstGeom>
+          <a:ln w="12700">
+            <a:miter lim="400000"/>
+          </a:ln>
+          <a:extLst>
+            <a:ext uri="{C572A759-6A51-4108-AA02-DFA0A04FC94B}">
+              <ma14:wrappingTextBoxFlag xmlns:ma14="http://schemas.microsoft.com/office/mac/drawingml/2011/main" xmlns:a14="http://schemas.microsoft.com/office/drawing/2010/main" xmlns:m="http://schemas.openxmlformats.org/officeDocument/2006/math" xmlns="" val="1"/>
+            </a:ext>
+          </a:extLst>
+        </p:spPr>
+        <p:txBody>
+          <a:bodyPr lIns="50800" tIns="50800" rIns="50800" bIns="50800">
+            <a:spAutoFit/>
+          </a:bodyPr>
+          <a:lstStyle>
+            <a:lvl1pPr algn="l">
+              <a:defRPr sz="3600">
+                <a:latin typeface="+mj-lt"/>
+                <a:ea typeface="+mj-ea"/>
+                <a:cs typeface="+mj-cs"/>
+                <a:sym typeface="Avenir Next"/>
+              </a:defRPr>
+            </a:lvl1pPr>
+          </a:lstStyle>
+          <a:p>
+            <a:endParaRPr lang="en-US" dirty="0"/>
+          </a:p>
+        </p:txBody>
+      </p:sp>
+      <p:sp>
+        <p:nvSpPr>
+          <p:cNvPr id="78" name="Line"/>
           <p:cNvSpPr/>
           <p:nvPr/>
         </p:nvSpPr>
         <p:spPr>
           <a:xfrm>
-            <a:off x="2572663" y="6614281"/>
-            <a:ext cx="19618681" cy="3785652"/>
+            <a:off x="2641600" y="1846231"/>
+            <a:ext cx="1516409" cy="1"/>
+          </a:xfrm>
+          <a:prstGeom prst="line">
+            <a:avLst/>
+          </a:prstGeom>
+          <a:ln w="203200">
+            <a:solidFill>
+              <a:srgbClr val="FF3454"/>
+            </a:solidFill>
+            <a:miter lim="400000"/>
+          </a:ln>
+        </p:spPr>
+        <p:txBody>
+          <a:bodyPr lIns="50800" tIns="50800" rIns="50800" bIns="50800" anchor="ctr"/>
+          <a:lstStyle/>
+          <a:p>
+            <a:pPr algn="l">
+              <a:defRPr sz="2800">
+                <a:latin typeface="+mj-lt"/>
+                <a:ea typeface="+mj-ea"/>
+                <a:cs typeface="+mj-cs"/>
+                <a:sym typeface="Avenir Next"/>
+              </a:defRPr>
+            </a:pPr>
+            <a:endParaRPr/>
+          </a:p>
+        </p:txBody>
+      </p:sp>
+      <p:sp>
+        <p:nvSpPr>
+          <p:cNvPr id="79" name="Build products that are fast, effortless to use, and aesthetically pleasing. Make things meaningful and worthy of your time.…"/>
+          <p:cNvSpPr txBox="1"/>
+          <p:nvPr/>
+        </p:nvSpPr>
+        <p:spPr>
+          <a:xfrm>
+            <a:off x="2572663" y="4591971"/>
+            <a:ext cx="19179617" cy="948978"/>
           </a:xfrm>
           <a:prstGeom prst="rect">
             <a:avLst/>
           </a:prstGeom>
-        </p:spPr>
-        <p:txBody>
-          <a:bodyPr wrap="square">
+          <a:ln w="12700">
+            <a:miter lim="400000"/>
+          </a:ln>
+          <a:extLst>
+            <a:ext uri="{C572A759-6A51-4108-AA02-DFA0A04FC94B}">
+              <ma14:wrappingTextBoxFlag xmlns:ma14="http://schemas.microsoft.com/office/mac/drawingml/2011/main" xmlns:a14="http://schemas.microsoft.com/office/drawing/2010/main" xmlns:m="http://schemas.openxmlformats.org/officeDocument/2006/math" xmlns="" val="1"/>
+            </a:ext>
+          </a:extLst>
+        </p:spPr>
+        <p:txBody>
+          <a:bodyPr wrap="square" lIns="50800" tIns="50800" rIns="50800" bIns="50800">
             <a:spAutoFit/>
           </a:bodyPr>
           <a:lstStyle/>
           <a:p>
-            <a:pPr algn="l"/>
-            <a:r>
-              <a:rPr lang="en-US" dirty="0">
-                <a:latin typeface="Arial" panose="020B0604020202020204" pitchFamily="34" charset="0"/>
-              </a:rPr>
-              <a:t>Examples</a:t>
-            </a:r>
-          </a:p>
-          <a:p>
-            <a:pPr marL="685800" indent="-685800" algn="l">
-              <a:buFont typeface="Arial" panose="020B0604020202020204" pitchFamily="34" charset="0"/>
-              <a:buChar char="•"/>
+            <a:pPr algn="l">
+              <a:lnSpc>
+                <a:spcPct val="150000"/>
+              </a:lnSpc>
+              <a:defRPr sz="4200">
+                <a:latin typeface="+mj-lt"/>
+                <a:ea typeface="+mj-ea"/>
+                <a:cs typeface="+mj-cs"/>
+                <a:sym typeface="Avenir Next"/>
+              </a:defRPr>
             </a:pPr>
-            <a:r>
-              <a:rPr lang="en-US" dirty="0">
-                <a:latin typeface="Arial" panose="020B0604020202020204" pitchFamily="34" charset="0"/>
-              </a:rPr>
-              <a:t>Button clicked</a:t>
-            </a:r>
-          </a:p>
-          <a:p>
-            <a:pPr marL="685800" indent="-685800" algn="l">
-              <a:buFont typeface="Arial" panose="020B0604020202020204" pitchFamily="34" charset="0"/>
-              <a:buChar char="•"/>
-            </a:pPr>
-            <a:r>
-              <a:rPr lang="en-US" dirty="0">
-                <a:latin typeface="Arial" panose="020B0604020202020204" pitchFamily="34" charset="0"/>
-              </a:rPr>
-              <a:t>Window got resized</a:t>
-            </a:r>
-          </a:p>
-          <a:p>
-            <a:pPr marL="685800" indent="-685800" algn="l">
-              <a:buFont typeface="Arial" panose="020B0604020202020204" pitchFamily="34" charset="0"/>
-              <a:buChar char="•"/>
-            </a:pPr>
-            <a:r>
-              <a:rPr lang="en-US" dirty="0">
-                <a:latin typeface="Arial" panose="020B0604020202020204" pitchFamily="34" charset="0"/>
-              </a:rPr>
-              <a:t>Web page finished loading</a:t>
-            </a:r>
-          </a:p>
-          <a:p>
-            <a:pPr marL="685800" indent="-685800" algn="l">
-              <a:buFont typeface="Arial" panose="020B0604020202020204" pitchFamily="34" charset="0"/>
-              <a:buChar char="•"/>
-            </a:pPr>
-            <a:r>
-              <a:rPr lang="en-US" dirty="0">
-                <a:latin typeface="Arial" panose="020B0604020202020204" pitchFamily="34" charset="0"/>
-              </a:rPr>
-              <a:t>CSS transition completed</a:t>
-            </a:r>
+            <a:endParaRPr lang="en-US" sz="4000" dirty="0">
+              <a:sym typeface="Avenir Next"/>
+            </a:endParaRPr>
           </a:p>
         </p:txBody>
       </p:sp>
     </p:spTree>
     <p:extLst>
       <p:ext uri="{BB962C8B-B14F-4D97-AF65-F5344CB8AC3E}">
-        <p14:creationId xmlns:p14="http://schemas.microsoft.com/office/powerpoint/2010/main" val="3199246000"/>
+        <p14:creationId xmlns:p14="http://schemas.microsoft.com/office/powerpoint/2010/main" val="526429004"/>
       </p:ext>
     </p:extLst>
+  </p:cSld>
+  <p:clrMapOvr>
+    <a:masterClrMapping/>
+  </p:clrMapOvr>
+  <p:transition spd="med"/>
+</p:sld>
+</file>
+
+<file path=ppt/slides/slide31.xml><?xml version="1.0" encoding="utf-8"?>
+<p:sld xmlns:a="http://schemas.openxmlformats.org/drawingml/2006/main" xmlns:r="http://schemas.openxmlformats.org/officeDocument/2006/relationships" xmlns:p="http://schemas.openxmlformats.org/presentationml/2006/main">
+  <p:cSld>
+    <p:spTree>
+      <p:nvGrpSpPr>
+        <p:cNvPr id="1" name=""/>
+        <p:cNvGrpSpPr/>
+        <p:nvPr/>
+      </p:nvGrpSpPr>
+      <p:grpSpPr>
+        <a:xfrm>
+          <a:off x="0" y="0"/>
+          <a:ext cx="0" cy="0"/>
+          <a:chOff x="0" y="0"/>
+          <a:chExt cx="0" cy="0"/>
+        </a:xfrm>
+      </p:grpSpPr>
+      <p:sp>
+        <p:nvSpPr>
+          <p:cNvPr id="74" name="Red section title"/>
+          <p:cNvSpPr txBox="1"/>
+          <p:nvPr/>
+        </p:nvSpPr>
+        <p:spPr>
+          <a:xfrm>
+            <a:off x="5935511" y="4836933"/>
+            <a:ext cx="12513041" cy="4042132"/>
+          </a:xfrm>
+          <a:prstGeom prst="rect">
+            <a:avLst/>
+          </a:prstGeom>
+          <a:ln w="12700">
+            <a:miter lim="400000"/>
+          </a:ln>
+          <a:extLst>
+            <a:ext uri="{C572A759-6A51-4108-AA02-DFA0A04FC94B}">
+              <ma14:wrappingTextBoxFlag xmlns:ma14="http://schemas.microsoft.com/office/mac/drawingml/2011/main" xmlns:a14="http://schemas.microsoft.com/office/drawing/2010/main" xmlns:m="http://schemas.openxmlformats.org/officeDocument/2006/math" xmlns="" val="1"/>
+            </a:ext>
+          </a:extLst>
+        </p:spPr>
+        <p:txBody>
+          <a:bodyPr wrap="none" lIns="50800" tIns="50800" rIns="50800" bIns="50800" anchor="ctr">
+            <a:spAutoFit/>
+          </a:bodyPr>
+          <a:lstStyle>
+            <a:lvl1pPr>
+              <a:defRPr sz="12800" b="1">
+                <a:solidFill>
+                  <a:srgbClr val="FFFFFF"/>
+                </a:solidFill>
+                <a:latin typeface="+mj-lt"/>
+                <a:ea typeface="+mj-ea"/>
+                <a:cs typeface="+mj-cs"/>
+                <a:sym typeface="Avenir Next"/>
+              </a:defRPr>
+            </a:lvl1pPr>
+          </a:lstStyle>
+          <a:p>
+            <a:r>
+              <a:rPr lang="lt-LT" dirty="0"/>
+              <a:t>TASK:</a:t>
+            </a:r>
+          </a:p>
+          <a:p>
+            <a:r>
+              <a:rPr lang="lt-LT" dirty="0" err="1"/>
+              <a:t>String</a:t>
+            </a:r>
+            <a:r>
+              <a:rPr lang="lt-LT" dirty="0"/>
+              <a:t> </a:t>
+            </a:r>
+            <a:r>
+              <a:rPr lang="lt-LT" dirty="0" err="1"/>
+              <a:t>template</a:t>
+            </a:r>
+            <a:endParaRPr lang="lt-LT" dirty="0"/>
+          </a:p>
+        </p:txBody>
+      </p:sp>
+    </p:spTree>
+    <p:extLst>
+      <p:ext uri="{BB962C8B-B14F-4D97-AF65-F5344CB8AC3E}">
+        <p14:creationId xmlns:p14="http://schemas.microsoft.com/office/powerpoint/2010/main" val="3247125217"/>
+      </p:ext>
+    </p:extLst>
+  </p:cSld>
+  <p:clrMapOvr>
+    <a:masterClrMapping/>
+  </p:clrMapOvr>
+  <p:transition spd="med"/>
+</p:sld>
+</file>
+
+<file path=ppt/slides/slide32.xml><?xml version="1.0" encoding="utf-8"?>
+<p:sld xmlns:a="http://schemas.openxmlformats.org/drawingml/2006/main" xmlns:r="http://schemas.openxmlformats.org/officeDocument/2006/relationships" xmlns:p="http://schemas.openxmlformats.org/presentationml/2006/main">
+  <p:cSld>
+    <p:spTree>
+      <p:nvGrpSpPr>
+        <p:cNvPr id="1" name=""/>
+        <p:cNvGrpSpPr/>
+        <p:nvPr/>
+      </p:nvGrpSpPr>
+      <p:grpSpPr>
+        <a:xfrm>
+          <a:off x="0" y="0"/>
+          <a:ext cx="0" cy="0"/>
+          <a:chOff x="0" y="0"/>
+          <a:chExt cx="0" cy="0"/>
+        </a:xfrm>
+      </p:grpSpPr>
+      <p:sp>
+        <p:nvSpPr>
+          <p:cNvPr id="76" name="Title goes here"/>
+          <p:cNvSpPr txBox="1"/>
+          <p:nvPr/>
+        </p:nvSpPr>
+        <p:spPr>
+          <a:xfrm>
+            <a:off x="2572664" y="2699493"/>
+            <a:ext cx="5583260" cy="1087477"/>
+          </a:xfrm>
+          <a:prstGeom prst="rect">
+            <a:avLst/>
+          </a:prstGeom>
+          <a:ln w="12700">
+            <a:miter lim="400000"/>
+          </a:ln>
+          <a:extLst>
+            <a:ext uri="{C572A759-6A51-4108-AA02-DFA0A04FC94B}">
+              <ma14:wrappingTextBoxFlag xmlns:ma14="http://schemas.microsoft.com/office/mac/drawingml/2011/main" xmlns:a14="http://schemas.microsoft.com/office/drawing/2010/main" xmlns:m="http://schemas.openxmlformats.org/officeDocument/2006/math" xmlns="" val="1"/>
+            </a:ext>
+          </a:extLst>
+        </p:spPr>
+        <p:txBody>
+          <a:bodyPr wrap="none" lIns="50800" tIns="50800" rIns="50800" bIns="50800" anchor="ctr">
+            <a:spAutoFit/>
+          </a:bodyPr>
+          <a:lstStyle>
+            <a:lvl1pPr algn="l">
+              <a:defRPr sz="6400" b="1">
+                <a:latin typeface="+mj-lt"/>
+                <a:ea typeface="+mj-ea"/>
+                <a:cs typeface="+mj-cs"/>
+                <a:sym typeface="Avenir Next"/>
+              </a:defRPr>
+            </a:lvl1pPr>
+          </a:lstStyle>
+          <a:p>
+            <a:r>
+              <a:rPr lang="en-US" dirty="0" err="1"/>
+              <a:t>Destructuring</a:t>
+            </a:r>
+            <a:endParaRPr lang="en-US" dirty="0"/>
+          </a:p>
+        </p:txBody>
+      </p:sp>
+      <p:sp>
+        <p:nvSpPr>
+          <p:cNvPr id="77" name="Build products that are fast, effortless to use, and aesthetically pleasing. Make things meaningful and worthy of your time."/>
+          <p:cNvSpPr txBox="1"/>
+          <p:nvPr/>
+        </p:nvSpPr>
+        <p:spPr>
+          <a:xfrm>
+            <a:off x="2631719" y="3935381"/>
+            <a:ext cx="12663704" cy="656590"/>
+          </a:xfrm>
+          <a:prstGeom prst="rect">
+            <a:avLst/>
+          </a:prstGeom>
+          <a:ln w="12700">
+            <a:miter lim="400000"/>
+          </a:ln>
+          <a:extLst>
+            <a:ext uri="{C572A759-6A51-4108-AA02-DFA0A04FC94B}">
+              <ma14:wrappingTextBoxFlag xmlns:ma14="http://schemas.microsoft.com/office/mac/drawingml/2011/main" xmlns:a14="http://schemas.microsoft.com/office/drawing/2010/main" xmlns:m="http://schemas.openxmlformats.org/officeDocument/2006/math" xmlns="" val="1"/>
+            </a:ext>
+          </a:extLst>
+        </p:spPr>
+        <p:txBody>
+          <a:bodyPr lIns="50800" tIns="50800" rIns="50800" bIns="50800">
+            <a:spAutoFit/>
+          </a:bodyPr>
+          <a:lstStyle>
+            <a:lvl1pPr algn="l">
+              <a:defRPr sz="3600">
+                <a:latin typeface="+mj-lt"/>
+                <a:ea typeface="+mj-ea"/>
+                <a:cs typeface="+mj-cs"/>
+                <a:sym typeface="Avenir Next"/>
+              </a:defRPr>
+            </a:lvl1pPr>
+          </a:lstStyle>
+          <a:p>
+            <a:endParaRPr lang="en-US" dirty="0"/>
+          </a:p>
+        </p:txBody>
+      </p:sp>
+      <p:sp>
+        <p:nvSpPr>
+          <p:cNvPr id="78" name="Line"/>
+          <p:cNvSpPr/>
+          <p:nvPr/>
+        </p:nvSpPr>
+        <p:spPr>
+          <a:xfrm>
+            <a:off x="2641600" y="1846231"/>
+            <a:ext cx="1516409" cy="1"/>
+          </a:xfrm>
+          <a:prstGeom prst="line">
+            <a:avLst/>
+          </a:prstGeom>
+          <a:ln w="203200">
+            <a:solidFill>
+              <a:srgbClr val="FF3454"/>
+            </a:solidFill>
+            <a:miter lim="400000"/>
+          </a:ln>
+        </p:spPr>
+        <p:txBody>
+          <a:bodyPr lIns="50800" tIns="50800" rIns="50800" bIns="50800" anchor="ctr"/>
+          <a:lstStyle/>
+          <a:p>
+            <a:pPr algn="l">
+              <a:defRPr sz="2800">
+                <a:latin typeface="+mj-lt"/>
+                <a:ea typeface="+mj-ea"/>
+                <a:cs typeface="+mj-cs"/>
+                <a:sym typeface="Avenir Next"/>
+              </a:defRPr>
+            </a:pPr>
+            <a:endParaRPr/>
+          </a:p>
+        </p:txBody>
+      </p:sp>
+      <p:sp>
+        <p:nvSpPr>
+          <p:cNvPr id="79" name="Build products that are fast, effortless to use, and aesthetically pleasing. Make things meaningful and worthy of your time.…"/>
+          <p:cNvSpPr txBox="1"/>
+          <p:nvPr/>
+        </p:nvSpPr>
+        <p:spPr>
+          <a:xfrm>
+            <a:off x="2572663" y="4591971"/>
+            <a:ext cx="19179617" cy="948978"/>
+          </a:xfrm>
+          <a:prstGeom prst="rect">
+            <a:avLst/>
+          </a:prstGeom>
+          <a:ln w="12700">
+            <a:miter lim="400000"/>
+          </a:ln>
+          <a:extLst>
+            <a:ext uri="{C572A759-6A51-4108-AA02-DFA0A04FC94B}">
+              <ma14:wrappingTextBoxFlag xmlns:ma14="http://schemas.microsoft.com/office/mac/drawingml/2011/main" xmlns:a14="http://schemas.microsoft.com/office/drawing/2010/main" xmlns:m="http://schemas.openxmlformats.org/officeDocument/2006/math" xmlns="" val="1"/>
+            </a:ext>
+          </a:extLst>
+        </p:spPr>
+        <p:txBody>
+          <a:bodyPr wrap="square" lIns="50800" tIns="50800" rIns="50800" bIns="50800">
+            <a:spAutoFit/>
+          </a:bodyPr>
+          <a:lstStyle/>
+          <a:p>
+            <a:pPr algn="l">
+              <a:lnSpc>
+                <a:spcPct val="150000"/>
+              </a:lnSpc>
+              <a:defRPr sz="4200">
+                <a:latin typeface="+mj-lt"/>
+                <a:ea typeface="+mj-ea"/>
+                <a:cs typeface="+mj-cs"/>
+                <a:sym typeface="Avenir Next"/>
+              </a:defRPr>
+            </a:pPr>
+            <a:endParaRPr lang="en-US" sz="4000" dirty="0">
+              <a:sym typeface="Avenir Next"/>
+            </a:endParaRPr>
+          </a:p>
+        </p:txBody>
+      </p:sp>
+    </p:spTree>
+    <p:extLst>
+      <p:ext uri="{BB962C8B-B14F-4D97-AF65-F5344CB8AC3E}">
+        <p14:creationId xmlns:p14="http://schemas.microsoft.com/office/powerpoint/2010/main" val="1760350554"/>
+      </p:ext>
+    </p:extLst>
+  </p:cSld>
+  <p:clrMapOvr>
+    <a:masterClrMapping/>
+  </p:clrMapOvr>
+  <p:transition spd="med"/>
+</p:sld>
+</file>
+
+<file path=ppt/slides/slide33.xml><?xml version="1.0" encoding="utf-8"?>
+<p:sld xmlns:a="http://schemas.openxmlformats.org/drawingml/2006/main" xmlns:r="http://schemas.openxmlformats.org/officeDocument/2006/relationships" xmlns:p="http://schemas.openxmlformats.org/presentationml/2006/main">
+  <p:cSld>
+    <p:spTree>
+      <p:nvGrpSpPr>
+        <p:cNvPr id="1" name=""/>
+        <p:cNvGrpSpPr/>
+        <p:nvPr/>
+      </p:nvGrpSpPr>
+      <p:grpSpPr>
+        <a:xfrm>
+          <a:off x="0" y="0"/>
+          <a:ext cx="0" cy="0"/>
+          <a:chOff x="0" y="0"/>
+          <a:chExt cx="0" cy="0"/>
+        </a:xfrm>
+      </p:grpSpPr>
+      <p:sp>
+        <p:nvSpPr>
+          <p:cNvPr id="74" name="Red section title"/>
+          <p:cNvSpPr txBox="1"/>
+          <p:nvPr/>
+        </p:nvSpPr>
+        <p:spPr>
+          <a:xfrm>
+            <a:off x="6657661" y="4836933"/>
+            <a:ext cx="11068736" cy="4042132"/>
+          </a:xfrm>
+          <a:prstGeom prst="rect">
+            <a:avLst/>
+          </a:prstGeom>
+          <a:ln w="12700">
+            <a:miter lim="400000"/>
+          </a:ln>
+          <a:extLst>
+            <a:ext uri="{C572A759-6A51-4108-AA02-DFA0A04FC94B}">
+              <ma14:wrappingTextBoxFlag xmlns:ma14="http://schemas.microsoft.com/office/mac/drawingml/2011/main" xmlns:a14="http://schemas.microsoft.com/office/drawing/2010/main" xmlns:m="http://schemas.openxmlformats.org/officeDocument/2006/math" xmlns="" val="1"/>
+            </a:ext>
+          </a:extLst>
+        </p:spPr>
+        <p:txBody>
+          <a:bodyPr wrap="none" lIns="50800" tIns="50800" rIns="50800" bIns="50800" anchor="ctr">
+            <a:spAutoFit/>
+          </a:bodyPr>
+          <a:lstStyle>
+            <a:lvl1pPr>
+              <a:defRPr sz="12800" b="1">
+                <a:solidFill>
+                  <a:srgbClr val="FFFFFF"/>
+                </a:solidFill>
+                <a:latin typeface="+mj-lt"/>
+                <a:ea typeface="+mj-ea"/>
+                <a:cs typeface="+mj-cs"/>
+                <a:sym typeface="Avenir Next"/>
+              </a:defRPr>
+            </a:lvl1pPr>
+          </a:lstStyle>
+          <a:p>
+            <a:r>
+              <a:rPr lang="lt-LT" dirty="0"/>
+              <a:t>TASK:</a:t>
+            </a:r>
+          </a:p>
+          <a:p>
+            <a:r>
+              <a:rPr lang="lt-LT" dirty="0" err="1"/>
+              <a:t>Destructuring</a:t>
+            </a:r>
+            <a:endParaRPr lang="lt-LT" dirty="0"/>
+          </a:p>
+        </p:txBody>
+      </p:sp>
+    </p:spTree>
+    <p:extLst>
+      <p:ext uri="{BB962C8B-B14F-4D97-AF65-F5344CB8AC3E}">
+        <p14:creationId xmlns:p14="http://schemas.microsoft.com/office/powerpoint/2010/main" val="4123800209"/>
+      </p:ext>
+    </p:extLst>
+  </p:cSld>
+  <p:clrMapOvr>
+    <a:masterClrMapping/>
+  </p:clrMapOvr>
+  <p:transition spd="med"/>
+</p:sld>
+</file>
+
+<file path=ppt/slides/slide34.xml><?xml version="1.0" encoding="utf-8"?>
+<p:sld xmlns:a="http://schemas.openxmlformats.org/drawingml/2006/main" xmlns:r="http://schemas.openxmlformats.org/officeDocument/2006/relationships" xmlns:p="http://schemas.openxmlformats.org/presentationml/2006/main">
+  <p:cSld>
+    <p:spTree>
+      <p:nvGrpSpPr>
+        <p:cNvPr id="1" name=""/>
+        <p:cNvGrpSpPr/>
+        <p:nvPr/>
+      </p:nvGrpSpPr>
+      <p:grpSpPr>
+        <a:xfrm>
+          <a:off x="0" y="0"/>
+          <a:ext cx="0" cy="0"/>
+          <a:chOff x="0" y="0"/>
+          <a:chExt cx="0" cy="0"/>
+        </a:xfrm>
+      </p:grpSpPr>
+      <p:sp>
+        <p:nvSpPr>
+          <p:cNvPr id="76" name="Title goes here"/>
+          <p:cNvSpPr txBox="1"/>
+          <p:nvPr/>
+        </p:nvSpPr>
+        <p:spPr>
+          <a:xfrm>
+            <a:off x="2572664" y="2699493"/>
+            <a:ext cx="1889941" cy="1087477"/>
+          </a:xfrm>
+          <a:prstGeom prst="rect">
+            <a:avLst/>
+          </a:prstGeom>
+          <a:ln w="12700">
+            <a:miter lim="400000"/>
+          </a:ln>
+          <a:extLst>
+            <a:ext uri="{C572A759-6A51-4108-AA02-DFA0A04FC94B}">
+              <ma14:wrappingTextBoxFlag xmlns:ma14="http://schemas.microsoft.com/office/mac/drawingml/2011/main" xmlns:a14="http://schemas.microsoft.com/office/drawing/2010/main" xmlns:m="http://schemas.openxmlformats.org/officeDocument/2006/math" xmlns="" val="1"/>
+            </a:ext>
+          </a:extLst>
+        </p:spPr>
+        <p:txBody>
+          <a:bodyPr wrap="none" lIns="50800" tIns="50800" rIns="50800" bIns="50800" anchor="ctr">
+            <a:spAutoFit/>
+          </a:bodyPr>
+          <a:lstStyle>
+            <a:lvl1pPr algn="l">
+              <a:defRPr sz="6400" b="1">
+                <a:latin typeface="+mj-lt"/>
+                <a:ea typeface="+mj-ea"/>
+                <a:cs typeface="+mj-cs"/>
+                <a:sym typeface="Avenir Next"/>
+              </a:defRPr>
+            </a:lvl1pPr>
+          </a:lstStyle>
+          <a:p>
+            <a:r>
+              <a:rPr lang="en-US" dirty="0"/>
+              <a:t>Map</a:t>
+            </a:r>
+          </a:p>
+        </p:txBody>
+      </p:sp>
+      <p:sp>
+        <p:nvSpPr>
+          <p:cNvPr id="77" name="Build products that are fast, effortless to use, and aesthetically pleasing. Make things meaningful and worthy of your time."/>
+          <p:cNvSpPr txBox="1"/>
+          <p:nvPr/>
+        </p:nvSpPr>
+        <p:spPr>
+          <a:xfrm>
+            <a:off x="2631719" y="3935381"/>
+            <a:ext cx="12663704" cy="656590"/>
+          </a:xfrm>
+          <a:prstGeom prst="rect">
+            <a:avLst/>
+          </a:prstGeom>
+          <a:ln w="12700">
+            <a:miter lim="400000"/>
+          </a:ln>
+          <a:extLst>
+            <a:ext uri="{C572A759-6A51-4108-AA02-DFA0A04FC94B}">
+              <ma14:wrappingTextBoxFlag xmlns:ma14="http://schemas.microsoft.com/office/mac/drawingml/2011/main" xmlns:a14="http://schemas.microsoft.com/office/drawing/2010/main" xmlns:m="http://schemas.openxmlformats.org/officeDocument/2006/math" xmlns="" val="1"/>
+            </a:ext>
+          </a:extLst>
+        </p:spPr>
+        <p:txBody>
+          <a:bodyPr lIns="50800" tIns="50800" rIns="50800" bIns="50800">
+            <a:spAutoFit/>
+          </a:bodyPr>
+          <a:lstStyle>
+            <a:lvl1pPr algn="l">
+              <a:defRPr sz="3600">
+                <a:latin typeface="+mj-lt"/>
+                <a:ea typeface="+mj-ea"/>
+                <a:cs typeface="+mj-cs"/>
+                <a:sym typeface="Avenir Next"/>
+              </a:defRPr>
+            </a:lvl1pPr>
+          </a:lstStyle>
+          <a:p>
+            <a:endParaRPr lang="en-US" dirty="0"/>
+          </a:p>
+        </p:txBody>
+      </p:sp>
+      <p:sp>
+        <p:nvSpPr>
+          <p:cNvPr id="78" name="Line"/>
+          <p:cNvSpPr/>
+          <p:nvPr/>
+        </p:nvSpPr>
+        <p:spPr>
+          <a:xfrm>
+            <a:off x="2641600" y="1846231"/>
+            <a:ext cx="1516409" cy="1"/>
+          </a:xfrm>
+          <a:prstGeom prst="line">
+            <a:avLst/>
+          </a:prstGeom>
+          <a:ln w="203200">
+            <a:solidFill>
+              <a:srgbClr val="FF3454"/>
+            </a:solidFill>
+            <a:miter lim="400000"/>
+          </a:ln>
+        </p:spPr>
+        <p:txBody>
+          <a:bodyPr lIns="50800" tIns="50800" rIns="50800" bIns="50800" anchor="ctr"/>
+          <a:lstStyle/>
+          <a:p>
+            <a:pPr algn="l">
+              <a:defRPr sz="2800">
+                <a:latin typeface="+mj-lt"/>
+                <a:ea typeface="+mj-ea"/>
+                <a:cs typeface="+mj-cs"/>
+                <a:sym typeface="Avenir Next"/>
+              </a:defRPr>
+            </a:pPr>
+            <a:endParaRPr/>
+          </a:p>
+        </p:txBody>
+      </p:sp>
+      <p:sp>
+        <p:nvSpPr>
+          <p:cNvPr id="79" name="Build products that are fast, effortless to use, and aesthetically pleasing. Make things meaningful and worthy of your time.…"/>
+          <p:cNvSpPr txBox="1"/>
+          <p:nvPr/>
+        </p:nvSpPr>
+        <p:spPr>
+          <a:xfrm>
+            <a:off x="2572663" y="4591971"/>
+            <a:ext cx="19179617" cy="948978"/>
+          </a:xfrm>
+          <a:prstGeom prst="rect">
+            <a:avLst/>
+          </a:prstGeom>
+          <a:ln w="12700">
+            <a:miter lim="400000"/>
+          </a:ln>
+          <a:extLst>
+            <a:ext uri="{C572A759-6A51-4108-AA02-DFA0A04FC94B}">
+              <ma14:wrappingTextBoxFlag xmlns:ma14="http://schemas.microsoft.com/office/mac/drawingml/2011/main" xmlns:a14="http://schemas.microsoft.com/office/drawing/2010/main" xmlns:m="http://schemas.openxmlformats.org/officeDocument/2006/math" xmlns="" val="1"/>
+            </a:ext>
+          </a:extLst>
+        </p:spPr>
+        <p:txBody>
+          <a:bodyPr wrap="square" lIns="50800" tIns="50800" rIns="50800" bIns="50800">
+            <a:spAutoFit/>
+          </a:bodyPr>
+          <a:lstStyle/>
+          <a:p>
+            <a:pPr algn="l">
+              <a:lnSpc>
+                <a:spcPct val="150000"/>
+              </a:lnSpc>
+              <a:defRPr sz="4200">
+                <a:latin typeface="+mj-lt"/>
+                <a:ea typeface="+mj-ea"/>
+                <a:cs typeface="+mj-cs"/>
+                <a:sym typeface="Avenir Next"/>
+              </a:defRPr>
+            </a:pPr>
+            <a:endParaRPr lang="en-US" sz="4000" dirty="0">
+              <a:sym typeface="Avenir Next"/>
+            </a:endParaRPr>
+          </a:p>
+        </p:txBody>
+      </p:sp>
+    </p:spTree>
+    <p:extLst>
+      <p:ext uri="{BB962C8B-B14F-4D97-AF65-F5344CB8AC3E}">
+        <p14:creationId xmlns:p14="http://schemas.microsoft.com/office/powerpoint/2010/main" val="507234155"/>
+      </p:ext>
+    </p:extLst>
+  </p:cSld>
+  <p:clrMapOvr>
+    <a:masterClrMapping/>
+  </p:clrMapOvr>
+  <p:transition spd="med"/>
+</p:sld>
+</file>
+
+<file path=ppt/slides/slide35.xml><?xml version="1.0" encoding="utf-8"?>
+<p:sld xmlns:a="http://schemas.openxmlformats.org/drawingml/2006/main" xmlns:r="http://schemas.openxmlformats.org/officeDocument/2006/relationships" xmlns:p="http://schemas.openxmlformats.org/presentationml/2006/main">
+  <p:cSld>
+    <p:spTree>
+      <p:nvGrpSpPr>
+        <p:cNvPr id="1" name=""/>
+        <p:cNvGrpSpPr/>
+        <p:nvPr/>
+      </p:nvGrpSpPr>
+      <p:grpSpPr>
+        <a:xfrm>
+          <a:off x="0" y="0"/>
+          <a:ext cx="0" cy="0"/>
+          <a:chOff x="0" y="0"/>
+          <a:chExt cx="0" cy="0"/>
+        </a:xfrm>
+      </p:grpSpPr>
+      <p:sp>
+        <p:nvSpPr>
+          <p:cNvPr id="76" name="Title goes here"/>
+          <p:cNvSpPr txBox="1"/>
+          <p:nvPr/>
+        </p:nvSpPr>
+        <p:spPr>
+          <a:xfrm>
+            <a:off x="2572664" y="2699493"/>
+            <a:ext cx="2183290" cy="1087477"/>
+          </a:xfrm>
+          <a:prstGeom prst="rect">
+            <a:avLst/>
+          </a:prstGeom>
+          <a:ln w="12700">
+            <a:miter lim="400000"/>
+          </a:ln>
+          <a:extLst>
+            <a:ext uri="{C572A759-6A51-4108-AA02-DFA0A04FC94B}">
+              <ma14:wrappingTextBoxFlag xmlns:ma14="http://schemas.microsoft.com/office/mac/drawingml/2011/main" xmlns:a14="http://schemas.microsoft.com/office/drawing/2010/main" xmlns:m="http://schemas.openxmlformats.org/officeDocument/2006/math" xmlns="" val="1"/>
+            </a:ext>
+          </a:extLst>
+        </p:spPr>
+        <p:txBody>
+          <a:bodyPr wrap="none" lIns="50800" tIns="50800" rIns="50800" bIns="50800" anchor="ctr">
+            <a:spAutoFit/>
+          </a:bodyPr>
+          <a:lstStyle>
+            <a:lvl1pPr algn="l">
+              <a:defRPr sz="6400" b="1">
+                <a:latin typeface="+mj-lt"/>
+                <a:ea typeface="+mj-ea"/>
+                <a:cs typeface="+mj-cs"/>
+                <a:sym typeface="Avenir Next"/>
+              </a:defRPr>
+            </a:lvl1pPr>
+          </a:lstStyle>
+          <a:p>
+            <a:r>
+              <a:rPr lang="en-US" dirty="0"/>
+              <a:t>Filter</a:t>
+            </a:r>
+          </a:p>
+        </p:txBody>
+      </p:sp>
+      <p:sp>
+        <p:nvSpPr>
+          <p:cNvPr id="77" name="Build products that are fast, effortless to use, and aesthetically pleasing. Make things meaningful and worthy of your time."/>
+          <p:cNvSpPr txBox="1"/>
+          <p:nvPr/>
+        </p:nvSpPr>
+        <p:spPr>
+          <a:xfrm>
+            <a:off x="2631719" y="3935381"/>
+            <a:ext cx="12663704" cy="656590"/>
+          </a:xfrm>
+          <a:prstGeom prst="rect">
+            <a:avLst/>
+          </a:prstGeom>
+          <a:ln w="12700">
+            <a:miter lim="400000"/>
+          </a:ln>
+          <a:extLst>
+            <a:ext uri="{C572A759-6A51-4108-AA02-DFA0A04FC94B}">
+              <ma14:wrappingTextBoxFlag xmlns:ma14="http://schemas.microsoft.com/office/mac/drawingml/2011/main" xmlns:a14="http://schemas.microsoft.com/office/drawing/2010/main" xmlns:m="http://schemas.openxmlformats.org/officeDocument/2006/math" xmlns="" val="1"/>
+            </a:ext>
+          </a:extLst>
+        </p:spPr>
+        <p:txBody>
+          <a:bodyPr lIns="50800" tIns="50800" rIns="50800" bIns="50800">
+            <a:spAutoFit/>
+          </a:bodyPr>
+          <a:lstStyle>
+            <a:lvl1pPr algn="l">
+              <a:defRPr sz="3600">
+                <a:latin typeface="+mj-lt"/>
+                <a:ea typeface="+mj-ea"/>
+                <a:cs typeface="+mj-cs"/>
+                <a:sym typeface="Avenir Next"/>
+              </a:defRPr>
+            </a:lvl1pPr>
+          </a:lstStyle>
+          <a:p>
+            <a:endParaRPr lang="en-US" dirty="0"/>
+          </a:p>
+        </p:txBody>
+      </p:sp>
+      <p:sp>
+        <p:nvSpPr>
+          <p:cNvPr id="78" name="Line"/>
+          <p:cNvSpPr/>
+          <p:nvPr/>
+        </p:nvSpPr>
+        <p:spPr>
+          <a:xfrm>
+            <a:off x="2641600" y="1846231"/>
+            <a:ext cx="1516409" cy="1"/>
+          </a:xfrm>
+          <a:prstGeom prst="line">
+            <a:avLst/>
+          </a:prstGeom>
+          <a:ln w="203200">
+            <a:solidFill>
+              <a:srgbClr val="FF3454"/>
+            </a:solidFill>
+            <a:miter lim="400000"/>
+          </a:ln>
+        </p:spPr>
+        <p:txBody>
+          <a:bodyPr lIns="50800" tIns="50800" rIns="50800" bIns="50800" anchor="ctr"/>
+          <a:lstStyle/>
+          <a:p>
+            <a:pPr algn="l">
+              <a:defRPr sz="2800">
+                <a:latin typeface="+mj-lt"/>
+                <a:ea typeface="+mj-ea"/>
+                <a:cs typeface="+mj-cs"/>
+                <a:sym typeface="Avenir Next"/>
+              </a:defRPr>
+            </a:pPr>
+            <a:endParaRPr/>
+          </a:p>
+        </p:txBody>
+      </p:sp>
+      <p:sp>
+        <p:nvSpPr>
+          <p:cNvPr id="79" name="Build products that are fast, effortless to use, and aesthetically pleasing. Make things meaningful and worthy of your time.…"/>
+          <p:cNvSpPr txBox="1"/>
+          <p:nvPr/>
+        </p:nvSpPr>
+        <p:spPr>
+          <a:xfrm>
+            <a:off x="2572663" y="4591971"/>
+            <a:ext cx="19179617" cy="948978"/>
+          </a:xfrm>
+          <a:prstGeom prst="rect">
+            <a:avLst/>
+          </a:prstGeom>
+          <a:ln w="12700">
+            <a:miter lim="400000"/>
+          </a:ln>
+          <a:extLst>
+            <a:ext uri="{C572A759-6A51-4108-AA02-DFA0A04FC94B}">
+              <ma14:wrappingTextBoxFlag xmlns:ma14="http://schemas.microsoft.com/office/mac/drawingml/2011/main" xmlns:a14="http://schemas.microsoft.com/office/drawing/2010/main" xmlns:m="http://schemas.openxmlformats.org/officeDocument/2006/math" xmlns="" val="1"/>
+            </a:ext>
+          </a:extLst>
+        </p:spPr>
+        <p:txBody>
+          <a:bodyPr wrap="square" lIns="50800" tIns="50800" rIns="50800" bIns="50800">
+            <a:spAutoFit/>
+          </a:bodyPr>
+          <a:lstStyle/>
+          <a:p>
+            <a:pPr algn="l">
+              <a:lnSpc>
+                <a:spcPct val="150000"/>
+              </a:lnSpc>
+              <a:defRPr sz="4200">
+                <a:latin typeface="+mj-lt"/>
+                <a:ea typeface="+mj-ea"/>
+                <a:cs typeface="+mj-cs"/>
+                <a:sym typeface="Avenir Next"/>
+              </a:defRPr>
+            </a:pPr>
+            <a:endParaRPr lang="en-US" sz="4000" dirty="0">
+              <a:sym typeface="Avenir Next"/>
+            </a:endParaRPr>
+          </a:p>
+        </p:txBody>
+      </p:sp>
+    </p:spTree>
+    <p:extLst>
+      <p:ext uri="{BB962C8B-B14F-4D97-AF65-F5344CB8AC3E}">
+        <p14:creationId xmlns:p14="http://schemas.microsoft.com/office/powerpoint/2010/main" val="3259239354"/>
+      </p:ext>
+    </p:extLst>
+  </p:cSld>
+  <p:clrMapOvr>
+    <a:masterClrMapping/>
+  </p:clrMapOvr>
+  <p:transition spd="med"/>
+</p:sld>
+</file>
+
+<file path=ppt/slides/slide36.xml><?xml version="1.0" encoding="utf-8"?>
+<p:sld xmlns:a="http://schemas.openxmlformats.org/drawingml/2006/main" xmlns:r="http://schemas.openxmlformats.org/officeDocument/2006/relationships" xmlns:p="http://schemas.openxmlformats.org/presentationml/2006/main">
+  <p:cSld>
+    <p:spTree>
+      <p:nvGrpSpPr>
+        <p:cNvPr id="1" name=""/>
+        <p:cNvGrpSpPr/>
+        <p:nvPr/>
+      </p:nvGrpSpPr>
+      <p:grpSpPr>
+        <a:xfrm>
+          <a:off x="0" y="0"/>
+          <a:ext cx="0" cy="0"/>
+          <a:chOff x="0" y="0"/>
+          <a:chExt cx="0" cy="0"/>
+        </a:xfrm>
+      </p:grpSpPr>
+      <p:sp>
+        <p:nvSpPr>
+          <p:cNvPr id="74" name="Red section title"/>
+          <p:cNvSpPr txBox="1"/>
+          <p:nvPr/>
+        </p:nvSpPr>
+        <p:spPr>
+          <a:xfrm>
+            <a:off x="8105974" y="4836933"/>
+            <a:ext cx="8172109" cy="4042132"/>
+          </a:xfrm>
+          <a:prstGeom prst="rect">
+            <a:avLst/>
+          </a:prstGeom>
+          <a:ln w="12700">
+            <a:miter lim="400000"/>
+          </a:ln>
+          <a:extLst>
+            <a:ext uri="{C572A759-6A51-4108-AA02-DFA0A04FC94B}">
+              <ma14:wrappingTextBoxFlag xmlns:ma14="http://schemas.microsoft.com/office/mac/drawingml/2011/main" xmlns:a14="http://schemas.microsoft.com/office/drawing/2010/main" xmlns:m="http://schemas.openxmlformats.org/officeDocument/2006/math" xmlns="" val="1"/>
+            </a:ext>
+          </a:extLst>
+        </p:spPr>
+        <p:txBody>
+          <a:bodyPr wrap="none" lIns="50800" tIns="50800" rIns="50800" bIns="50800" anchor="ctr">
+            <a:spAutoFit/>
+          </a:bodyPr>
+          <a:lstStyle>
+            <a:lvl1pPr>
+              <a:defRPr sz="12800" b="1">
+                <a:solidFill>
+                  <a:srgbClr val="FFFFFF"/>
+                </a:solidFill>
+                <a:latin typeface="+mj-lt"/>
+                <a:ea typeface="+mj-ea"/>
+                <a:cs typeface="+mj-cs"/>
+                <a:sym typeface="Avenir Next"/>
+              </a:defRPr>
+            </a:lvl1pPr>
+          </a:lstStyle>
+          <a:p>
+            <a:r>
+              <a:rPr lang="lt-LT" dirty="0"/>
+              <a:t>TASK:</a:t>
+            </a:r>
+          </a:p>
+          <a:p>
+            <a:r>
+              <a:rPr lang="lt-LT" dirty="0" err="1"/>
+              <a:t>Map</a:t>
+            </a:r>
+            <a:r>
+              <a:rPr lang="lt-LT" dirty="0"/>
+              <a:t>/</a:t>
+            </a:r>
+            <a:r>
+              <a:rPr lang="lt-LT" dirty="0" err="1"/>
+              <a:t>filter</a:t>
+            </a:r>
+            <a:endParaRPr lang="lt-LT" dirty="0"/>
+          </a:p>
+        </p:txBody>
+      </p:sp>
+    </p:spTree>
+    <p:extLst>
+      <p:ext uri="{BB962C8B-B14F-4D97-AF65-F5344CB8AC3E}">
+        <p14:creationId xmlns:p14="http://schemas.microsoft.com/office/powerpoint/2010/main" val="2024591583"/>
+      </p:ext>
+    </p:extLst>
+  </p:cSld>
+  <p:clrMapOvr>
+    <a:masterClrMapping/>
+  </p:clrMapOvr>
+  <p:transition spd="med"/>
+</p:sld>
+</file>
+
+<file path=ppt/slides/slide37.xml><?xml version="1.0" encoding="utf-8"?>
+<p:sld xmlns:a="http://schemas.openxmlformats.org/drawingml/2006/main" xmlns:r="http://schemas.openxmlformats.org/officeDocument/2006/relationships" xmlns:p="http://schemas.openxmlformats.org/presentationml/2006/main">
+  <p:cSld>
+    <p:spTree>
+      <p:nvGrpSpPr>
+        <p:cNvPr id="1" name=""/>
+        <p:cNvGrpSpPr/>
+        <p:nvPr/>
+      </p:nvGrpSpPr>
+      <p:grpSpPr>
+        <a:xfrm>
+          <a:off x="0" y="0"/>
+          <a:ext cx="0" cy="0"/>
+          <a:chOff x="0" y="0"/>
+          <a:chExt cx="0" cy="0"/>
+        </a:xfrm>
+      </p:grpSpPr>
+      <p:sp>
+        <p:nvSpPr>
+          <p:cNvPr id="475" name="Thank you."/>
+          <p:cNvSpPr txBox="1"/>
+          <p:nvPr/>
+        </p:nvSpPr>
+        <p:spPr>
+          <a:xfrm>
+            <a:off x="2558874" y="9072860"/>
+            <a:ext cx="5722113" cy="1536701"/>
+          </a:xfrm>
+          <a:prstGeom prst="rect">
+            <a:avLst/>
+          </a:prstGeom>
+          <a:ln w="12700">
+            <a:miter lim="400000"/>
+          </a:ln>
+          <a:extLst>
+            <a:ext uri="{C572A759-6A51-4108-AA02-DFA0A04FC94B}">
+              <ma14:wrappingTextBoxFlag xmlns:ma14="http://schemas.microsoft.com/office/mac/drawingml/2011/main" xmlns:a14="http://schemas.microsoft.com/office/drawing/2010/main" xmlns:m="http://schemas.openxmlformats.org/officeDocument/2006/math" xmlns="" val="1"/>
+            </a:ext>
+          </a:extLst>
+        </p:spPr>
+        <p:txBody>
+          <a:bodyPr wrap="none" lIns="50800" tIns="50800" rIns="50800" bIns="50800" anchor="ctr">
+            <a:spAutoFit/>
+          </a:bodyPr>
+          <a:lstStyle>
+            <a:lvl1pPr algn="l">
+              <a:lnSpc>
+                <a:spcPct val="80000"/>
+              </a:lnSpc>
+              <a:defRPr sz="8300" b="1">
+                <a:solidFill>
+                  <a:srgbClr val="1C2E36"/>
+                </a:solidFill>
+                <a:latin typeface="+mj-lt"/>
+                <a:ea typeface="+mj-ea"/>
+                <a:cs typeface="+mj-cs"/>
+                <a:sym typeface="Avenir Next"/>
+              </a:defRPr>
+            </a:lvl1pPr>
+          </a:lstStyle>
+          <a:p>
+            <a:r>
+              <a:t>Thank you.</a:t>
+            </a:r>
+          </a:p>
+        </p:txBody>
+      </p:sp>
+      <p:sp>
+        <p:nvSpPr>
+          <p:cNvPr id="476" name="First Last…"/>
+          <p:cNvSpPr txBox="1"/>
+          <p:nvPr/>
+        </p:nvSpPr>
+        <p:spPr>
+          <a:xfrm>
+            <a:off x="2605000" y="10649276"/>
+            <a:ext cx="8256133" cy="1087477"/>
+          </a:xfrm>
+          <a:prstGeom prst="rect">
+            <a:avLst/>
+          </a:prstGeom>
+          <a:ln w="12700">
+            <a:miter lim="400000"/>
+          </a:ln>
+          <a:extLst>
+            <a:ext uri="{C572A759-6A51-4108-AA02-DFA0A04FC94B}">
+              <ma14:wrappingTextBoxFlag xmlns:ma14="http://schemas.microsoft.com/office/mac/drawingml/2011/main" xmlns:a14="http://schemas.microsoft.com/office/drawing/2010/main" xmlns:m="http://schemas.openxmlformats.org/officeDocument/2006/math" xmlns="" val="1"/>
+            </a:ext>
+          </a:extLst>
+        </p:spPr>
+        <p:txBody>
+          <a:bodyPr lIns="50800" tIns="50800" rIns="50800" bIns="50800" anchor="ctr">
+            <a:spAutoFit/>
+          </a:bodyPr>
+          <a:lstStyle/>
+          <a:p>
+            <a:pPr algn="l">
+              <a:defRPr sz="3200">
+                <a:solidFill>
+                  <a:srgbClr val="1C2E36"/>
+                </a:solidFill>
+              </a:defRPr>
+            </a:pPr>
+            <a:r>
+              <a:rPr lang="en-US" dirty="0" err="1"/>
+              <a:t>Jelizaveta</a:t>
+            </a:r>
+            <a:r>
+              <a:rPr lang="en-US" dirty="0"/>
+              <a:t> </a:t>
+            </a:r>
+            <a:r>
+              <a:rPr lang="en-US" dirty="0" err="1"/>
+              <a:t>Potapova</a:t>
+            </a:r>
+            <a:endParaRPr dirty="0"/>
+          </a:p>
+          <a:p>
+            <a:pPr algn="l">
+              <a:defRPr sz="3200" b="1" i="1">
+                <a:solidFill>
+                  <a:srgbClr val="1C2E36"/>
+                </a:solidFill>
+                <a:latin typeface="+mj-lt"/>
+                <a:ea typeface="+mj-ea"/>
+                <a:cs typeface="+mj-cs"/>
+                <a:sym typeface="Avenir Next"/>
+              </a:defRPr>
+            </a:pPr>
+            <a:r>
+              <a:rPr lang="lt-LT" dirty="0" err="1"/>
+              <a:t>Senior</a:t>
+            </a:r>
+            <a:r>
+              <a:rPr lang="lt-LT" dirty="0"/>
+              <a:t> </a:t>
+            </a:r>
+            <a:r>
+              <a:rPr lang="lt-LT" dirty="0" err="1"/>
+              <a:t>JavaScript</a:t>
+            </a:r>
+            <a:r>
+              <a:rPr lang="lt-LT" dirty="0"/>
+              <a:t> </a:t>
+            </a:r>
+            <a:r>
+              <a:rPr lang="lt-LT" dirty="0" err="1"/>
+              <a:t>Engineer</a:t>
+            </a:r>
+            <a:endParaRPr lang="lt-LT" dirty="0"/>
+          </a:p>
+        </p:txBody>
+      </p:sp>
+      <p:pic>
+        <p:nvPicPr>
+          <p:cNvPr id="477" name="DB_dark@3x.png" descr="DB_dark@3x.png"/>
+          <p:cNvPicPr>
+            <a:picLocks noChangeAspect="1"/>
+          </p:cNvPicPr>
+          <p:nvPr/>
+        </p:nvPicPr>
+        <p:blipFill>
+          <a:blip r:embed="rId2"/>
+          <a:stretch>
+            <a:fillRect/>
+          </a:stretch>
+        </p:blipFill>
+        <p:spPr>
+          <a:xfrm>
+            <a:off x="2659982" y="1936809"/>
+            <a:ext cx="4511904" cy="975891"/>
+          </a:xfrm>
+          <a:prstGeom prst="rect">
+            <a:avLst/>
+          </a:prstGeom>
+          <a:ln w="12700">
+            <a:miter lim="400000"/>
+          </a:ln>
+        </p:spPr>
+      </p:pic>
+    </p:spTree>
   </p:cSld>
   <p:clrMapOvr>
     <a:masterClrMapping/>
@@ -6636,7 +7846,7 @@
         <p:spPr>
           <a:xfrm>
             <a:off x="2572664" y="2699493"/>
-            <a:ext cx="6618800" cy="1087477"/>
+            <a:ext cx="5094343" cy="1087477"/>
           </a:xfrm>
           <a:prstGeom prst="rect">
             <a:avLst/>
@@ -6667,8 +7877,13 @@
           <a:p>
             <a:r>
               <a:rPr lang="en-US" dirty="0"/>
-              <a:t>Handling events</a:t>
-            </a:r>
+              <a:t>Const </a:t>
+            </a:r>
+            <a:r>
+              <a:rPr lang="en-US"/>
+              <a:t>let var</a:t>
+            </a:r>
+            <a:endParaRPr lang="en-US" dirty="0"/>
           </a:p>
         </p:txBody>
       </p:sp>
@@ -6780,10 +7995,12 @@
           </a:bodyPr>
           <a:lstStyle/>
           <a:p>
-            <a:pPr algn="l">
+            <a:pPr marL="571500" indent="-571500" algn="l">
               <a:lnSpc>
                 <a:spcPct val="150000"/>
               </a:lnSpc>
+              <a:buFont typeface="Arial" panose="020B0604020202020204" pitchFamily="34" charset="0"/>
+              <a:buChar char="•"/>
               <a:defRPr sz="4200">
                 <a:latin typeface="+mj-lt"/>
                 <a:ea typeface="+mj-ea"/>
@@ -6792,6 +8009,9 @@
               </a:defRPr>
             </a:pPr>
             <a:endParaRPr lang="en-US" sz="4000" dirty="0">
+              <a:solidFill>
+                <a:schemeClr val="bg1"/>
+              </a:solidFill>
               <a:sym typeface="Avenir Next"/>
             </a:endParaRPr>
           </a:p>
@@ -6800,7 +8020,7 @@
     </p:spTree>
     <p:extLst>
       <p:ext uri="{BB962C8B-B14F-4D97-AF65-F5344CB8AC3E}">
-        <p14:creationId xmlns:p14="http://schemas.microsoft.com/office/powerpoint/2010/main" val="3864748749"/>
+        <p14:creationId xmlns:p14="http://schemas.microsoft.com/office/powerpoint/2010/main" val="311969227"/>
       </p:ext>
     </p:extLst>
   </p:cSld>
@@ -6837,7 +8057,7 @@
         <p:spPr>
           <a:xfrm>
             <a:off x="2572664" y="2699493"/>
-            <a:ext cx="5081519" cy="1087477"/>
+            <a:ext cx="2752357" cy="1087477"/>
           </a:xfrm>
           <a:prstGeom prst="rect">
             <a:avLst/>
@@ -6868,7 +8088,7 @@
           <a:p>
             <a:r>
               <a:rPr lang="en-US" dirty="0"/>
-              <a:t>Event object</a:t>
+              <a:t>Events</a:t>
             </a:r>
           </a:p>
         </p:txBody>
@@ -6998,10 +8218,147 @@
           </a:p>
         </p:txBody>
       </p:sp>
+      <p:sp>
+        <p:nvSpPr>
+          <p:cNvPr id="2" name="Rectangle 1">
+            <a:extLst>
+              <a:ext uri="{FF2B5EF4-FFF2-40B4-BE49-F238E27FC236}">
+                <a16:creationId xmlns:a16="http://schemas.microsoft.com/office/drawing/2014/main" id="{8F6AB523-9972-884E-A5E7-83E4AF1336A7}"/>
+              </a:ext>
+            </a:extLst>
+          </p:cNvPr>
+          <p:cNvSpPr/>
+          <p:nvPr/>
+        </p:nvSpPr>
+        <p:spPr>
+          <a:xfrm>
+            <a:off x="2631718" y="3935381"/>
+            <a:ext cx="19618681" cy="1569660"/>
+          </a:xfrm>
+          <a:prstGeom prst="rect">
+            <a:avLst/>
+          </a:prstGeom>
+        </p:spPr>
+        <p:txBody>
+          <a:bodyPr wrap="square">
+            <a:spAutoFit/>
+          </a:bodyPr>
+          <a:lstStyle/>
+          <a:p>
+            <a:pPr marL="685800" indent="-685800" algn="l">
+              <a:buFont typeface="Arial" panose="020B0604020202020204" pitchFamily="34" charset="0"/>
+              <a:buChar char="•"/>
+            </a:pPr>
+            <a:r>
+              <a:rPr lang="en-US" dirty="0">
+                <a:latin typeface="Arial" panose="020B0604020202020204" pitchFamily="34" charset="0"/>
+              </a:rPr>
+              <a:t>Event - indication that something happened</a:t>
+            </a:r>
+          </a:p>
+          <a:p>
+            <a:pPr marL="685800" indent="-685800" algn="l">
+              <a:buFont typeface="Arial" panose="020B0604020202020204" pitchFamily="34" charset="0"/>
+              <a:buChar char="•"/>
+            </a:pPr>
+            <a:r>
+              <a:rPr lang="en-US" dirty="0">
+                <a:latin typeface="Arial" panose="020B0604020202020204" pitchFamily="34" charset="0"/>
+              </a:rPr>
+              <a:t>Represented as object</a:t>
+            </a:r>
+          </a:p>
+        </p:txBody>
+      </p:sp>
+      <p:sp>
+        <p:nvSpPr>
+          <p:cNvPr id="7" name="Rectangle 6">
+            <a:extLst>
+              <a:ext uri="{FF2B5EF4-FFF2-40B4-BE49-F238E27FC236}">
+                <a16:creationId xmlns:a16="http://schemas.microsoft.com/office/drawing/2014/main" id="{B12FFB1D-55F7-4C4C-9E40-79329B608372}"/>
+              </a:ext>
+            </a:extLst>
+          </p:cNvPr>
+          <p:cNvSpPr/>
+          <p:nvPr/>
+        </p:nvSpPr>
+        <p:spPr>
+          <a:xfrm>
+            <a:off x="2572663" y="6614281"/>
+            <a:ext cx="19618681" cy="3785652"/>
+          </a:xfrm>
+          <a:prstGeom prst="rect">
+            <a:avLst/>
+          </a:prstGeom>
+        </p:spPr>
+        <p:txBody>
+          <a:bodyPr wrap="square">
+            <a:spAutoFit/>
+          </a:bodyPr>
+          <a:lstStyle/>
+          <a:p>
+            <a:pPr algn="l"/>
+            <a:r>
+              <a:rPr lang="en-US" dirty="0">
+                <a:latin typeface="Arial" panose="020B0604020202020204" pitchFamily="34" charset="0"/>
+              </a:rPr>
+              <a:t>Examples</a:t>
+            </a:r>
+          </a:p>
+          <a:p>
+            <a:pPr marL="685800" indent="-685800" algn="l">
+              <a:buFont typeface="Arial" panose="020B0604020202020204" pitchFamily="34" charset="0"/>
+              <a:buChar char="•"/>
+            </a:pPr>
+            <a:r>
+              <a:rPr lang="en-US" dirty="0">
+                <a:latin typeface="Arial" panose="020B0604020202020204" pitchFamily="34" charset="0"/>
+              </a:rPr>
+              <a:t>Button clicked</a:t>
+            </a:r>
+          </a:p>
+          <a:p>
+            <a:pPr marL="685800" indent="-685800" algn="l">
+              <a:buFont typeface="Arial" panose="020B0604020202020204" pitchFamily="34" charset="0"/>
+              <a:buChar char="•"/>
+            </a:pPr>
+            <a:r>
+              <a:rPr lang="en-US" dirty="0">
+                <a:latin typeface="Arial" panose="020B0604020202020204" pitchFamily="34" charset="0"/>
+              </a:rPr>
+              <a:t>Window got resized</a:t>
+            </a:r>
+          </a:p>
+          <a:p>
+            <a:pPr marL="685800" indent="-685800" algn="l">
+              <a:buFont typeface="Arial" panose="020B0604020202020204" pitchFamily="34" charset="0"/>
+              <a:buChar char="•"/>
+            </a:pPr>
+            <a:r>
+              <a:rPr lang="en-US" dirty="0">
+                <a:latin typeface="Arial" panose="020B0604020202020204" pitchFamily="34" charset="0"/>
+              </a:rPr>
+              <a:t>Web page finished loading</a:t>
+            </a:r>
+          </a:p>
+          <a:p>
+            <a:pPr marL="685800" indent="-685800" algn="l">
+              <a:buFont typeface="Arial" panose="020B0604020202020204" pitchFamily="34" charset="0"/>
+              <a:buChar char="•"/>
+            </a:pPr>
+            <a:r>
+              <a:rPr lang="en-US" dirty="0">
+                <a:latin typeface="Arial" panose="020B0604020202020204" pitchFamily="34" charset="0"/>
+              </a:rPr>
+              <a:t>CSS transition completed</a:t>
+            </a:r>
+          </a:p>
+        </p:txBody>
+      </p:sp>
     </p:spTree>
     <p:extLst>
       <p:ext uri="{BB962C8B-B14F-4D97-AF65-F5344CB8AC3E}">
-        <p14:creationId xmlns:p14="http://schemas.microsoft.com/office/powerpoint/2010/main" val="1946759280"/>
+        <p14:creationId xmlns:p14="http://schemas.microsoft.com/office/powerpoint/2010/main" val="3199246000"/>
       </p:ext>
     </p:extLst>
   </p:cSld>
@@ -7031,14 +8388,14 @@
       </p:grpSpPr>
       <p:sp>
         <p:nvSpPr>
-          <p:cNvPr id="74" name="Red section title"/>
+          <p:cNvPr id="76" name="Title goes here"/>
           <p:cNvSpPr txBox="1"/>
           <p:nvPr/>
         </p:nvSpPr>
         <p:spPr>
           <a:xfrm>
-            <a:off x="6809947" y="4836933"/>
-            <a:ext cx="10764165" cy="4042132"/>
+            <a:off x="2572664" y="2699493"/>
+            <a:ext cx="6618800" cy="1087477"/>
           </a:xfrm>
           <a:prstGeom prst="rect">
             <a:avLst/>
@@ -7057,11 +8414,8 @@
             <a:spAutoFit/>
           </a:bodyPr>
           <a:lstStyle>
-            <a:lvl1pPr>
-              <a:defRPr sz="12800" b="1">
-                <a:solidFill>
-                  <a:srgbClr val="FFFFFF"/>
-                </a:solidFill>
+            <a:lvl1pPr algn="l">
+              <a:defRPr sz="6400" b="1">
                 <a:latin typeface="+mj-lt"/>
                 <a:ea typeface="+mj-ea"/>
                 <a:cs typeface="+mj-cs"/>
@@ -7071,31 +8425,141 @@
           </a:lstStyle>
           <a:p>
             <a:r>
-              <a:rPr lang="lt-LT" dirty="0"/>
-              <a:t>TASK:</a:t>
-            </a:r>
-          </a:p>
-          <a:p>
-            <a:r>
-              <a:rPr lang="lt-LT" dirty="0" err="1"/>
-              <a:t>Handle</a:t>
-            </a:r>
-            <a:r>
-              <a:rPr lang="lt-LT" dirty="0"/>
-              <a:t> </a:t>
-            </a:r>
-            <a:r>
-              <a:rPr lang="lt-LT" dirty="0" err="1"/>
-              <a:t>event</a:t>
-            </a:r>
-            <a:endParaRPr lang="lt-LT" dirty="0"/>
+              <a:rPr lang="en-US" dirty="0"/>
+              <a:t>Handling events</a:t>
+            </a:r>
+          </a:p>
+        </p:txBody>
+      </p:sp>
+      <p:sp>
+        <p:nvSpPr>
+          <p:cNvPr id="77" name="Build products that are fast, effortless to use, and aesthetically pleasing. Make things meaningful and worthy of your time."/>
+          <p:cNvSpPr txBox="1"/>
+          <p:nvPr/>
+        </p:nvSpPr>
+        <p:spPr>
+          <a:xfrm>
+            <a:off x="2631719" y="3935381"/>
+            <a:ext cx="12663704" cy="656590"/>
+          </a:xfrm>
+          <a:prstGeom prst="rect">
+            <a:avLst/>
+          </a:prstGeom>
+          <a:ln w="12700">
+            <a:miter lim="400000"/>
+          </a:ln>
+          <a:extLst>
+            <a:ext uri="{C572A759-6A51-4108-AA02-DFA0A04FC94B}">
+              <ma14:wrappingTextBoxFlag xmlns:ma14="http://schemas.microsoft.com/office/mac/drawingml/2011/main" xmlns:a14="http://schemas.microsoft.com/office/drawing/2010/main" xmlns:m="http://schemas.openxmlformats.org/officeDocument/2006/math" xmlns="" val="1"/>
+            </a:ext>
+          </a:extLst>
+        </p:spPr>
+        <p:txBody>
+          <a:bodyPr lIns="50800" tIns="50800" rIns="50800" bIns="50800">
+            <a:spAutoFit/>
+          </a:bodyPr>
+          <a:lstStyle>
+            <a:lvl1pPr algn="l">
+              <a:defRPr sz="3600">
+                <a:latin typeface="+mj-lt"/>
+                <a:ea typeface="+mj-ea"/>
+                <a:cs typeface="+mj-cs"/>
+                <a:sym typeface="Avenir Next"/>
+              </a:defRPr>
+            </a:lvl1pPr>
+          </a:lstStyle>
+          <a:p>
+            <a:endParaRPr lang="en-US" dirty="0"/>
+          </a:p>
+        </p:txBody>
+      </p:sp>
+      <p:sp>
+        <p:nvSpPr>
+          <p:cNvPr id="78" name="Line"/>
+          <p:cNvSpPr/>
+          <p:nvPr/>
+        </p:nvSpPr>
+        <p:spPr>
+          <a:xfrm>
+            <a:off x="2641600" y="1846231"/>
+            <a:ext cx="1516409" cy="1"/>
+          </a:xfrm>
+          <a:prstGeom prst="line">
+            <a:avLst/>
+          </a:prstGeom>
+          <a:ln w="203200">
+            <a:solidFill>
+              <a:srgbClr val="FF3454"/>
+            </a:solidFill>
+            <a:miter lim="400000"/>
+          </a:ln>
+        </p:spPr>
+        <p:txBody>
+          <a:bodyPr lIns="50800" tIns="50800" rIns="50800" bIns="50800" anchor="ctr"/>
+          <a:lstStyle/>
+          <a:p>
+            <a:pPr algn="l">
+              <a:defRPr sz="2800">
+                <a:latin typeface="+mj-lt"/>
+                <a:ea typeface="+mj-ea"/>
+                <a:cs typeface="+mj-cs"/>
+                <a:sym typeface="Avenir Next"/>
+              </a:defRPr>
+            </a:pPr>
+            <a:endParaRPr/>
+          </a:p>
+        </p:txBody>
+      </p:sp>
+      <p:sp>
+        <p:nvSpPr>
+          <p:cNvPr id="79" name="Build products that are fast, effortless to use, and aesthetically pleasing. Make things meaningful and worthy of your time.…"/>
+          <p:cNvSpPr txBox="1"/>
+          <p:nvPr/>
+        </p:nvSpPr>
+        <p:spPr>
+          <a:xfrm>
+            <a:off x="2572663" y="4591971"/>
+            <a:ext cx="19179617" cy="948978"/>
+          </a:xfrm>
+          <a:prstGeom prst="rect">
+            <a:avLst/>
+          </a:prstGeom>
+          <a:ln w="12700">
+            <a:miter lim="400000"/>
+          </a:ln>
+          <a:extLst>
+            <a:ext uri="{C572A759-6A51-4108-AA02-DFA0A04FC94B}">
+              <ma14:wrappingTextBoxFlag xmlns:ma14="http://schemas.microsoft.com/office/mac/drawingml/2011/main" xmlns:a14="http://schemas.microsoft.com/office/drawing/2010/main" xmlns:m="http://schemas.openxmlformats.org/officeDocument/2006/math" xmlns="" val="1"/>
+            </a:ext>
+          </a:extLst>
+        </p:spPr>
+        <p:txBody>
+          <a:bodyPr wrap="square" lIns="50800" tIns="50800" rIns="50800" bIns="50800">
+            <a:spAutoFit/>
+          </a:bodyPr>
+          <a:lstStyle/>
+          <a:p>
+            <a:pPr algn="l">
+              <a:lnSpc>
+                <a:spcPct val="150000"/>
+              </a:lnSpc>
+              <a:defRPr sz="4200">
+                <a:latin typeface="+mj-lt"/>
+                <a:ea typeface="+mj-ea"/>
+                <a:cs typeface="+mj-cs"/>
+                <a:sym typeface="Avenir Next"/>
+              </a:defRPr>
+            </a:pPr>
+            <a:endParaRPr lang="en-US" sz="4000" dirty="0">
+              <a:sym typeface="Avenir Next"/>
+            </a:endParaRPr>
           </a:p>
         </p:txBody>
       </p:sp>
     </p:spTree>
     <p:extLst>
       <p:ext uri="{BB962C8B-B14F-4D97-AF65-F5344CB8AC3E}">
-        <p14:creationId xmlns:p14="http://schemas.microsoft.com/office/powerpoint/2010/main" val="92452615"/>
+        <p14:creationId xmlns:p14="http://schemas.microsoft.com/office/powerpoint/2010/main" val="3864748749"/>
       </p:ext>
     </p:extLst>
   </p:cSld>
@@ -7132,7 +8596,7 @@
         <p:spPr>
           <a:xfrm>
             <a:off x="2572664" y="2699493"/>
-            <a:ext cx="3840795" cy="1087477"/>
+            <a:ext cx="5081519" cy="1087477"/>
           </a:xfrm>
           <a:prstGeom prst="rect">
             <a:avLst/>
@@ -7163,7 +8627,7 @@
           <a:p>
             <a:r>
               <a:rPr lang="en-US" dirty="0"/>
-              <a:t>Unit tests</a:t>
+              <a:t>Event object</a:t>
             </a:r>
           </a:p>
         </p:txBody>
@@ -7296,7 +8760,7 @@
     </p:spTree>
     <p:extLst>
       <p:ext uri="{BB962C8B-B14F-4D97-AF65-F5344CB8AC3E}">
-        <p14:creationId xmlns:p14="http://schemas.microsoft.com/office/powerpoint/2010/main" val="3956362685"/>
+        <p14:creationId xmlns:p14="http://schemas.microsoft.com/office/powerpoint/2010/main" val="1946759280"/>
       </p:ext>
     </p:extLst>
   </p:cSld>
@@ -7326,14 +8790,14 @@
       </p:grpSpPr>
       <p:sp>
         <p:nvSpPr>
-          <p:cNvPr id="76" name="Title goes here"/>
+          <p:cNvPr id="74" name="Red section title"/>
           <p:cNvSpPr txBox="1"/>
           <p:nvPr/>
         </p:nvSpPr>
         <p:spPr>
           <a:xfrm>
-            <a:off x="2572664" y="2699493"/>
-            <a:ext cx="4764125" cy="1087477"/>
+            <a:off x="6809947" y="4836933"/>
+            <a:ext cx="10764165" cy="4042132"/>
           </a:xfrm>
           <a:prstGeom prst="rect">
             <a:avLst/>
@@ -7352,8 +8816,11 @@
             <a:spAutoFit/>
           </a:bodyPr>
           <a:lstStyle>
-            <a:lvl1pPr algn="l">
-              <a:defRPr sz="6400" b="1">
+            <a:lvl1pPr>
+              <a:defRPr sz="12800" b="1">
+                <a:solidFill>
+                  <a:srgbClr val="FFFFFF"/>
+                </a:solidFill>
                 <a:latin typeface="+mj-lt"/>
                 <a:ea typeface="+mj-ea"/>
                 <a:cs typeface="+mj-cs"/>
@@ -7363,258 +8830,31 @@
           </a:lstStyle>
           <a:p>
             <a:r>
-              <a:rPr lang="en-US" dirty="0" err="1"/>
-              <a:t>Classnames</a:t>
-            </a:r>
-            <a:endParaRPr lang="en-US" dirty="0"/>
-          </a:p>
-        </p:txBody>
-      </p:sp>
-      <p:sp>
-        <p:nvSpPr>
-          <p:cNvPr id="77" name="Build products that are fast, effortless to use, and aesthetically pleasing. Make things meaningful and worthy of your time."/>
-          <p:cNvSpPr txBox="1"/>
-          <p:nvPr/>
-        </p:nvSpPr>
-        <p:spPr>
-          <a:xfrm>
-            <a:off x="2631719" y="3935381"/>
-            <a:ext cx="12663704" cy="656590"/>
-          </a:xfrm>
-          <a:prstGeom prst="rect">
-            <a:avLst/>
-          </a:prstGeom>
-          <a:ln w="12700">
-            <a:miter lim="400000"/>
-          </a:ln>
-          <a:extLst>
-            <a:ext uri="{C572A759-6A51-4108-AA02-DFA0A04FC94B}">
-              <ma14:wrappingTextBoxFlag xmlns:ma14="http://schemas.microsoft.com/office/mac/drawingml/2011/main" xmlns:a14="http://schemas.microsoft.com/office/drawing/2010/main" xmlns:m="http://schemas.openxmlformats.org/officeDocument/2006/math" xmlns="" val="1"/>
-            </a:ext>
-          </a:extLst>
-        </p:spPr>
-        <p:txBody>
-          <a:bodyPr lIns="50800" tIns="50800" rIns="50800" bIns="50800">
-            <a:spAutoFit/>
-          </a:bodyPr>
-          <a:lstStyle>
-            <a:lvl1pPr algn="l">
-              <a:defRPr sz="3600">
-                <a:latin typeface="+mj-lt"/>
-                <a:ea typeface="+mj-ea"/>
-                <a:cs typeface="+mj-cs"/>
-                <a:sym typeface="Avenir Next"/>
-              </a:defRPr>
-            </a:lvl1pPr>
-          </a:lstStyle>
-          <a:p>
-            <a:endParaRPr lang="en-US" dirty="0"/>
-          </a:p>
-        </p:txBody>
-      </p:sp>
-      <p:sp>
-        <p:nvSpPr>
-          <p:cNvPr id="78" name="Line"/>
-          <p:cNvSpPr/>
-          <p:nvPr/>
-        </p:nvSpPr>
-        <p:spPr>
-          <a:xfrm>
-            <a:off x="2641600" y="1846231"/>
-            <a:ext cx="1516409" cy="1"/>
-          </a:xfrm>
-          <a:prstGeom prst="line">
-            <a:avLst/>
-          </a:prstGeom>
-          <a:ln w="203200">
-            <a:solidFill>
-              <a:srgbClr val="FF3454"/>
-            </a:solidFill>
-            <a:miter lim="400000"/>
-          </a:ln>
-        </p:spPr>
-        <p:txBody>
-          <a:bodyPr lIns="50800" tIns="50800" rIns="50800" bIns="50800" anchor="ctr"/>
-          <a:lstStyle/>
-          <a:p>
-            <a:pPr algn="l">
-              <a:defRPr sz="2800">
-                <a:latin typeface="+mj-lt"/>
-                <a:ea typeface="+mj-ea"/>
-                <a:cs typeface="+mj-cs"/>
-                <a:sym typeface="Avenir Next"/>
-              </a:defRPr>
-            </a:pPr>
-            <a:endParaRPr/>
-          </a:p>
-        </p:txBody>
-      </p:sp>
-      <p:sp>
-        <p:nvSpPr>
-          <p:cNvPr id="79" name="Build products that are fast, effortless to use, and aesthetically pleasing. Make things meaningful and worthy of your time.…"/>
-          <p:cNvSpPr txBox="1"/>
-          <p:nvPr/>
-        </p:nvSpPr>
-        <p:spPr>
-          <a:xfrm>
-            <a:off x="2572663" y="4591971"/>
-            <a:ext cx="19179617" cy="4869282"/>
-          </a:xfrm>
-          <a:prstGeom prst="rect">
-            <a:avLst/>
-          </a:prstGeom>
-          <a:ln w="12700">
-            <a:miter lim="400000"/>
-          </a:ln>
-          <a:extLst>
-            <a:ext uri="{C572A759-6A51-4108-AA02-DFA0A04FC94B}">
-              <ma14:wrappingTextBoxFlag xmlns:ma14="http://schemas.microsoft.com/office/mac/drawingml/2011/main" xmlns:a14="http://schemas.microsoft.com/office/drawing/2010/main" xmlns:m="http://schemas.openxmlformats.org/officeDocument/2006/math" xmlns="" val="1"/>
-            </a:ext>
-          </a:extLst>
-        </p:spPr>
-        <p:txBody>
-          <a:bodyPr wrap="square" lIns="50800" tIns="50800" rIns="50800" bIns="50800">
-            <a:spAutoFit/>
-          </a:bodyPr>
-          <a:lstStyle/>
-          <a:p>
-            <a:pPr marL="571500" indent="-571500" algn="l">
-              <a:lnSpc>
-                <a:spcPct val="150000"/>
-              </a:lnSpc>
-              <a:buFont typeface="Arial" panose="020B0604020202020204" pitchFamily="34" charset="0"/>
-              <a:buChar char="•"/>
-              <a:defRPr sz="4200">
-                <a:latin typeface="+mj-lt"/>
-                <a:ea typeface="+mj-ea"/>
-                <a:cs typeface="+mj-cs"/>
-                <a:sym typeface="Avenir Next"/>
-              </a:defRPr>
-            </a:pPr>
-            <a:r>
-              <a:rPr lang="en-US" dirty="0" err="1">
-                <a:sym typeface="Avenir Next"/>
-              </a:rPr>
-              <a:t>Element.classList</a:t>
-            </a:r>
-            <a:endParaRPr lang="en-US" dirty="0">
-              <a:sym typeface="Avenir Next"/>
-            </a:endParaRPr>
-          </a:p>
-          <a:p>
-            <a:pPr marL="571500" indent="-571500" algn="l">
-              <a:lnSpc>
-                <a:spcPct val="150000"/>
-              </a:lnSpc>
-              <a:buFont typeface="Arial" panose="020B0604020202020204" pitchFamily="34" charset="0"/>
-              <a:buChar char="•"/>
-              <a:defRPr sz="4200">
-                <a:latin typeface="+mj-lt"/>
-                <a:ea typeface="+mj-ea"/>
-                <a:cs typeface="+mj-cs"/>
-                <a:sym typeface="Avenir Next"/>
-              </a:defRPr>
-            </a:pPr>
-            <a:r>
-              <a:rPr lang="en-US" dirty="0" err="1">
-                <a:sym typeface="Avenir Next"/>
-              </a:rPr>
-              <a:t>Element.classList.add</a:t>
-            </a:r>
-            <a:r>
-              <a:rPr lang="en-US" dirty="0">
-                <a:sym typeface="Avenir Next"/>
-              </a:rPr>
-              <a:t>(‘some-class’)</a:t>
-            </a:r>
-          </a:p>
-          <a:p>
-            <a:pPr marL="571500" indent="-571500" algn="l">
-              <a:lnSpc>
-                <a:spcPct val="150000"/>
-              </a:lnSpc>
-              <a:buFont typeface="Arial" panose="020B0604020202020204" pitchFamily="34" charset="0"/>
-              <a:buChar char="•"/>
-              <a:defRPr sz="4200">
-                <a:latin typeface="+mj-lt"/>
-                <a:ea typeface="+mj-ea"/>
-                <a:cs typeface="+mj-cs"/>
-                <a:sym typeface="Avenir Next"/>
-              </a:defRPr>
-            </a:pPr>
-            <a:r>
-              <a:rPr lang="en-US" dirty="0" err="1">
-                <a:sym typeface="Avenir Next"/>
-              </a:rPr>
-              <a:t>Element.classList.remove</a:t>
-            </a:r>
-            <a:r>
-              <a:rPr lang="en-US" dirty="0">
-                <a:sym typeface="Avenir Next"/>
-              </a:rPr>
-              <a:t>(‘some-class’)</a:t>
-            </a:r>
-          </a:p>
-          <a:p>
-            <a:pPr marL="571500" indent="-571500" algn="l">
-              <a:lnSpc>
-                <a:spcPct val="150000"/>
-              </a:lnSpc>
-              <a:buFont typeface="Arial" panose="020B0604020202020204" pitchFamily="34" charset="0"/>
-              <a:buChar char="•"/>
-              <a:defRPr sz="4200">
-                <a:latin typeface="+mj-lt"/>
-                <a:ea typeface="+mj-ea"/>
-                <a:cs typeface="+mj-cs"/>
-                <a:sym typeface="Avenir Next"/>
-              </a:defRPr>
-            </a:pPr>
-            <a:r>
-              <a:rPr lang="en-US" dirty="0" err="1">
-                <a:sym typeface="Avenir Next"/>
-              </a:rPr>
-              <a:t>Element.classList.toggle</a:t>
-            </a:r>
-            <a:r>
-              <a:rPr lang="en-US" dirty="0">
-                <a:sym typeface="Avenir Next"/>
-              </a:rPr>
-              <a:t>(‘some-class’)</a:t>
-            </a:r>
-          </a:p>
-          <a:p>
-            <a:pPr marL="571500" indent="-571500" algn="l">
-              <a:lnSpc>
-                <a:spcPct val="150000"/>
-              </a:lnSpc>
-              <a:buFont typeface="Arial" panose="020B0604020202020204" pitchFamily="34" charset="0"/>
-              <a:buChar char="•"/>
-              <a:defRPr sz="4200">
-                <a:latin typeface="+mj-lt"/>
-                <a:ea typeface="+mj-ea"/>
-                <a:cs typeface="+mj-cs"/>
-                <a:sym typeface="Avenir Next"/>
-              </a:defRPr>
-            </a:pPr>
-            <a:r>
-              <a:rPr lang="en-US" dirty="0" err="1">
-                <a:sym typeface="Avenir Next"/>
-              </a:rPr>
-              <a:t>Element.classList.replace</a:t>
-            </a:r>
-            <a:r>
-              <a:rPr lang="en-US" dirty="0">
-                <a:sym typeface="Avenir Next"/>
-              </a:rPr>
-              <a:t>(‘some-class’, ‘with-other-class’)</a:t>
-            </a:r>
+              <a:rPr lang="lt-LT" dirty="0"/>
+              <a:t>TASK:</a:t>
+            </a:r>
+          </a:p>
+          <a:p>
+            <a:r>
+              <a:rPr lang="lt-LT" dirty="0" err="1"/>
+              <a:t>Handle</a:t>
+            </a:r>
+            <a:r>
+              <a:rPr lang="lt-LT" dirty="0"/>
+              <a:t> </a:t>
+            </a:r>
+            <a:r>
+              <a:rPr lang="lt-LT" dirty="0" err="1"/>
+              <a:t>event</a:t>
+            </a:r>
+            <a:endParaRPr lang="lt-LT" dirty="0"/>
           </a:p>
         </p:txBody>
       </p:sp>
     </p:spTree>
     <p:extLst>
       <p:ext uri="{BB962C8B-B14F-4D97-AF65-F5344CB8AC3E}">
-        <p14:creationId xmlns:p14="http://schemas.microsoft.com/office/powerpoint/2010/main" val="2019658492"/>
+        <p14:creationId xmlns:p14="http://schemas.microsoft.com/office/powerpoint/2010/main" val="92452615"/>
       </p:ext>
     </p:extLst>
   </p:cSld>
@@ -7644,14 +8884,14 @@
       </p:grpSpPr>
       <p:sp>
         <p:nvSpPr>
-          <p:cNvPr id="74" name="Red section title"/>
+          <p:cNvPr id="76" name="Title goes here"/>
           <p:cNvSpPr txBox="1"/>
           <p:nvPr/>
         </p:nvSpPr>
         <p:spPr>
           <a:xfrm>
-            <a:off x="5012174" y="4836933"/>
-            <a:ext cx="14359700" cy="4042132"/>
+            <a:off x="2572664" y="2699493"/>
+            <a:ext cx="3840795" cy="1087477"/>
           </a:xfrm>
           <a:prstGeom prst="rect">
             <a:avLst/>
@@ -7670,11 +8910,8 @@
             <a:spAutoFit/>
           </a:bodyPr>
           <a:lstStyle>
-            <a:lvl1pPr>
-              <a:defRPr sz="12800" b="1">
-                <a:solidFill>
-                  <a:srgbClr val="FFFFFF"/>
-                </a:solidFill>
+            <a:lvl1pPr algn="l">
+              <a:defRPr sz="6400" b="1">
                 <a:latin typeface="+mj-lt"/>
                 <a:ea typeface="+mj-ea"/>
                 <a:cs typeface="+mj-cs"/>
@@ -7684,28 +8921,143 @@
           </a:lstStyle>
           <a:p>
             <a:r>
-              <a:rPr lang="lt-LT" dirty="0"/>
-              <a:t>TASK:</a:t>
-            </a:r>
-          </a:p>
-          <a:p>
-            <a:r>
-              <a:rPr lang="lt-LT" dirty="0" err="1"/>
-              <a:t>Toggle</a:t>
-            </a:r>
-            <a:r>
-              <a:rPr lang="lt-LT" dirty="0"/>
-              <a:t> </a:t>
-            </a:r>
-            <a:r>
-              <a:rPr lang="lt-LT" dirty="0" err="1"/>
-              <a:t>classname</a:t>
-            </a:r>
-            <a:endParaRPr lang="lt-LT" dirty="0"/>
+              <a:rPr lang="en-US" dirty="0"/>
+              <a:t>Unit tests</a:t>
+            </a:r>
+          </a:p>
+        </p:txBody>
+      </p:sp>
+      <p:sp>
+        <p:nvSpPr>
+          <p:cNvPr id="77" name="Build products that are fast, effortless to use, and aesthetically pleasing. Make things meaningful and worthy of your time."/>
+          <p:cNvSpPr txBox="1"/>
+          <p:nvPr/>
+        </p:nvSpPr>
+        <p:spPr>
+          <a:xfrm>
+            <a:off x="2631719" y="3935381"/>
+            <a:ext cx="12663704" cy="656590"/>
+          </a:xfrm>
+          <a:prstGeom prst="rect">
+            <a:avLst/>
+          </a:prstGeom>
+          <a:ln w="12700">
+            <a:miter lim="400000"/>
+          </a:ln>
+          <a:extLst>
+            <a:ext uri="{C572A759-6A51-4108-AA02-DFA0A04FC94B}">
+              <ma14:wrappingTextBoxFlag xmlns:ma14="http://schemas.microsoft.com/office/mac/drawingml/2011/main" xmlns:a14="http://schemas.microsoft.com/office/drawing/2010/main" xmlns:m="http://schemas.openxmlformats.org/officeDocument/2006/math" xmlns="" val="1"/>
+            </a:ext>
+          </a:extLst>
+        </p:spPr>
+        <p:txBody>
+          <a:bodyPr lIns="50800" tIns="50800" rIns="50800" bIns="50800">
+            <a:spAutoFit/>
+          </a:bodyPr>
+          <a:lstStyle>
+            <a:lvl1pPr algn="l">
+              <a:defRPr sz="3600">
+                <a:latin typeface="+mj-lt"/>
+                <a:ea typeface="+mj-ea"/>
+                <a:cs typeface="+mj-cs"/>
+                <a:sym typeface="Avenir Next"/>
+              </a:defRPr>
+            </a:lvl1pPr>
+          </a:lstStyle>
+          <a:p>
+            <a:endParaRPr lang="en-US" dirty="0"/>
+          </a:p>
+        </p:txBody>
+      </p:sp>
+      <p:sp>
+        <p:nvSpPr>
+          <p:cNvPr id="78" name="Line"/>
+          <p:cNvSpPr/>
+          <p:nvPr/>
+        </p:nvSpPr>
+        <p:spPr>
+          <a:xfrm>
+            <a:off x="2641600" y="1846231"/>
+            <a:ext cx="1516409" cy="1"/>
+          </a:xfrm>
+          <a:prstGeom prst="line">
+            <a:avLst/>
+          </a:prstGeom>
+          <a:ln w="203200">
+            <a:solidFill>
+              <a:srgbClr val="FF3454"/>
+            </a:solidFill>
+            <a:miter lim="400000"/>
+          </a:ln>
+        </p:spPr>
+        <p:txBody>
+          <a:bodyPr lIns="50800" tIns="50800" rIns="50800" bIns="50800" anchor="ctr"/>
+          <a:lstStyle/>
+          <a:p>
+            <a:pPr algn="l">
+              <a:defRPr sz="2800">
+                <a:latin typeface="+mj-lt"/>
+                <a:ea typeface="+mj-ea"/>
+                <a:cs typeface="+mj-cs"/>
+                <a:sym typeface="Avenir Next"/>
+              </a:defRPr>
+            </a:pPr>
+            <a:endParaRPr/>
+          </a:p>
+        </p:txBody>
+      </p:sp>
+      <p:sp>
+        <p:nvSpPr>
+          <p:cNvPr id="79" name="Build products that are fast, effortless to use, and aesthetically pleasing. Make things meaningful and worthy of your time.…"/>
+          <p:cNvSpPr txBox="1"/>
+          <p:nvPr/>
+        </p:nvSpPr>
+        <p:spPr>
+          <a:xfrm>
+            <a:off x="2572663" y="4591971"/>
+            <a:ext cx="19179617" cy="948978"/>
+          </a:xfrm>
+          <a:prstGeom prst="rect">
+            <a:avLst/>
+          </a:prstGeom>
+          <a:ln w="12700">
+            <a:miter lim="400000"/>
+          </a:ln>
+          <a:extLst>
+            <a:ext uri="{C572A759-6A51-4108-AA02-DFA0A04FC94B}">
+              <ma14:wrappingTextBoxFlag xmlns:ma14="http://schemas.microsoft.com/office/mac/drawingml/2011/main" xmlns:a14="http://schemas.microsoft.com/office/drawing/2010/main" xmlns:m="http://schemas.openxmlformats.org/officeDocument/2006/math" xmlns="" val="1"/>
+            </a:ext>
+          </a:extLst>
+        </p:spPr>
+        <p:txBody>
+          <a:bodyPr wrap="square" lIns="50800" tIns="50800" rIns="50800" bIns="50800">
+            <a:spAutoFit/>
+          </a:bodyPr>
+          <a:lstStyle/>
+          <a:p>
+            <a:pPr algn="l">
+              <a:lnSpc>
+                <a:spcPct val="150000"/>
+              </a:lnSpc>
+              <a:defRPr sz="4200">
+                <a:latin typeface="+mj-lt"/>
+                <a:ea typeface="+mj-ea"/>
+                <a:cs typeface="+mj-cs"/>
+                <a:sym typeface="Avenir Next"/>
+              </a:defRPr>
+            </a:pPr>
+            <a:endParaRPr lang="en-US" sz="4000" dirty="0">
+              <a:sym typeface="Avenir Next"/>
+            </a:endParaRPr>
           </a:p>
         </p:txBody>
       </p:sp>
     </p:spTree>
+    <p:extLst>
+      <p:ext uri="{BB962C8B-B14F-4D97-AF65-F5344CB8AC3E}">
+        <p14:creationId xmlns:p14="http://schemas.microsoft.com/office/powerpoint/2010/main" val="3956362685"/>
+      </p:ext>
+    </p:extLst>
   </p:cSld>
   <p:clrMapOvr>
     <a:masterClrMapping/>
